--- a/26_9_2016/intermediate_workshop_3.pptx
+++ b/26_9_2016/intermediate_workshop_3.pptx
@@ -28,6 +28,7 @@
     <p:sldId id="273" r:id="rId22"/>
     <p:sldId id="274" r:id="rId23"/>
     <p:sldId id="275" r:id="rId24"/>
+    <p:sldId id="276" r:id="rId25"/>
   </p:sldIdLst>
   <p:sldSz cy="5143500" cx="9144000"/>
   <p:notesSz cx="6858000" cy="9144000"/>
@@ -1579,6 +1580,101 @@
       <p:sp>
         <p:nvSpPr>
           <p:cNvPr id="186" name="Shape 186"/>
+          <p:cNvSpPr txBox="1"/>
+          <p:nvPr>
+            <p:ph idx="1" type="body"/>
+          </p:nvPr>
+        </p:nvSpPr>
+        <p:spPr>
+          <a:xfrm>
+            <a:off x="685800" y="4343400"/>
+            <a:ext cx="5486400" cy="4114800"/>
+          </a:xfrm>
+          <a:prstGeom prst="rect">
+            <a:avLst/>
+          </a:prstGeom>
+        </p:spPr>
+        <p:txBody>
+          <a:bodyPr anchorCtr="0" anchor="t" bIns="91425" lIns="91425" rIns="91425" tIns="91425">
+            <a:noAutofit/>
+          </a:bodyPr>
+          <a:lstStyle/>
+          <a:p>
+            <a:pPr lvl="0" rtl="0">
+              <a:spcBef>
+                <a:spcPts val="0"/>
+              </a:spcBef>
+              <a:buNone/>
+            </a:pPr>
+            <a:r>
+              <a:t/>
+            </a:r>
+            <a:endParaRPr/>
+          </a:p>
+        </p:txBody>
+      </p:sp>
+    </p:spTree>
+  </p:cSld>
+  <p:clrMapOvr>
+    <a:masterClrMapping/>
+  </p:clrMapOvr>
+</p:notes>
+</file>
+
+<file path=ppt/notesSlides/notesSlide21.xml><?xml version="1.0" encoding="utf-8"?>
+<p:notes xmlns:a="http://schemas.openxmlformats.org/drawingml/2006/main" xmlns:r="http://schemas.openxmlformats.org/officeDocument/2006/relationships" xmlns:mc="http://schemas.openxmlformats.org/markup-compatibility/2006" xmlns:mv="urn:schemas-microsoft-com:mac:vml" xmlns:p="http://schemas.openxmlformats.org/presentationml/2006/main" xmlns:c="http://schemas.openxmlformats.org/drawingml/2006/chart" xmlns:dgm="http://schemas.openxmlformats.org/drawingml/2006/diagram" xmlns:o="urn:schemas-microsoft-com:office:office" xmlns:v="urn:schemas-microsoft-com:vml" xmlns:pvml="urn:schemas-microsoft-com:office:powerpoint" xmlns:com="http://schemas.openxmlformats.org/drawingml/2006/compatibility" xmlns:p14="http://schemas.microsoft.com/office/powerpoint/2010/main" showMasterPhAnim="0" showMasterSp="0">
+  <p:cSld>
+    <p:spTree>
+      <p:nvGrpSpPr>
+        <p:cNvPr id="191" name="Shape 191"/>
+        <p:cNvGrpSpPr/>
+        <p:nvPr/>
+      </p:nvGrpSpPr>
+      <p:grpSpPr>
+        <a:xfrm>
+          <a:off x="0" y="0"/>
+          <a:ext cx="0" cy="0"/>
+          <a:chOff x="0" y="0"/>
+          <a:chExt cx="0" cy="0"/>
+        </a:xfrm>
+      </p:grpSpPr>
+      <p:sp>
+        <p:nvSpPr>
+          <p:cNvPr id="192" name="Shape 192"/>
+          <p:cNvSpPr/>
+          <p:nvPr>
+            <p:ph idx="2" type="sldImg"/>
+          </p:nvPr>
+        </p:nvSpPr>
+        <p:spPr>
+          <a:xfrm>
+            <a:off x="381300" y="685800"/>
+            <a:ext cx="6096000" cy="3429000"/>
+          </a:xfrm>
+          <a:custGeom>
+            <a:pathLst>
+              <a:path extrusionOk="0" h="120000" w="120000">
+                <a:moveTo>
+                  <a:pt x="0" y="0"/>
+                </a:moveTo>
+                <a:lnTo>
+                  <a:pt x="120000" y="0"/>
+                </a:lnTo>
+                <a:lnTo>
+                  <a:pt x="120000" y="120000"/>
+                </a:lnTo>
+                <a:lnTo>
+                  <a:pt x="0" y="120000"/>
+                </a:lnTo>
+                <a:close/>
+              </a:path>
+            </a:pathLst>
+          </a:custGeom>
+        </p:spPr>
+      </p:sp>
+      <p:sp>
+        <p:nvSpPr>
+          <p:cNvPr id="193" name="Shape 193"/>
           <p:cNvSpPr txBox="1"/>
           <p:nvPr>
             <p:ph idx="1" type="body"/>
@@ -6220,7 +6316,7 @@
                 <a:cs typeface="Consolas"/>
                 <a:sym typeface="Consolas"/>
               </a:rPr>
-              <a:t>class Kiln():</a:t>
+              <a:t>  1 class Kiln():</a:t>
             </a:r>
           </a:p>
           <a:p>
@@ -6243,7 +6339,7 @@
                 <a:cs typeface="Consolas"/>
                 <a:sym typeface="Consolas"/>
               </a:rPr>
-              <a:t>	def __init__(self, input_temperature=78):</a:t>
+              <a:t>  2     def __init__(self, input_temperature=78):</a:t>
             </a:r>
           </a:p>
           <a:p>
@@ -6266,7 +6362,7 @@
                 <a:cs typeface="Consolas"/>
                 <a:sym typeface="Consolas"/>
               </a:rPr>
-              <a:t>		self._contents = []</a:t>
+              <a:t>  3         self._contents = []</a:t>
             </a:r>
           </a:p>
           <a:p>
@@ -6289,7 +6385,7 @@
                 <a:cs typeface="Consolas"/>
                 <a:sym typeface="Consolas"/>
               </a:rPr>
-              <a:t>		self._temperature = input_temperature</a:t>
+              <a:t>  4         self._temperature = input_temperature</a:t>
             </a:r>
           </a:p>
           <a:p>
@@ -6306,14 +6402,14 @@
               <a:buNone/>
             </a:pPr>
             <a:r>
-              <a:t/>
-            </a:r>
-            <a:endParaRPr sz="1000">
-              <a:latin typeface="Consolas"/>
-              <a:ea typeface="Consolas"/>
-              <a:cs typeface="Consolas"/>
-              <a:sym typeface="Consolas"/>
-            </a:endParaRPr>
+              <a:rPr lang="en" sz="1000">
+                <a:latin typeface="Consolas"/>
+                <a:ea typeface="Consolas"/>
+                <a:cs typeface="Consolas"/>
+                <a:sym typeface="Consolas"/>
+              </a:rPr>
+              <a:t>  5 </a:t>
+            </a:r>
           </a:p>
           <a:p>
             <a:pPr lvl="0" marR="0" rtl="0" algn="l">
@@ -6335,7 +6431,7 @@
                 <a:cs typeface="Consolas"/>
                 <a:sym typeface="Consolas"/>
               </a:rPr>
-              <a:t>	def add_pottery(self, added_pottery):</a:t>
+              <a:t>  6     def add_pottery(self, added_pottery):</a:t>
             </a:r>
           </a:p>
           <a:p>
@@ -6358,7 +6454,7 @@
                 <a:cs typeface="Consolas"/>
                 <a:sym typeface="Consolas"/>
               </a:rPr>
-              <a:t>		for pottery in added_pottery:</a:t>
+              <a:t>  7         for pottery in added_pottery:</a:t>
             </a:r>
           </a:p>
           <a:p>
@@ -6381,7 +6477,7 @@
                 <a:cs typeface="Consolas"/>
                 <a:sym typeface="Consolas"/>
               </a:rPr>
-              <a:t>			self._contents.append(pottery)</a:t>
+              <a:t>  8             self._contents.append(pottery)</a:t>
             </a:r>
           </a:p>
           <a:p>
@@ -6404,7 +6500,7 @@
                 <a:cs typeface="Consolas"/>
                 <a:sym typeface="Consolas"/>
               </a:rPr>
-              <a:t>			if pottery.get_bake_temperature &gt;= self._temperature:</a:t>
+              <a:t>  9             if pottery.get_bake_temperature() &gt;= self._temperature:</a:t>
             </a:r>
           </a:p>
           <a:p>
@@ -6427,7 +6523,7 @@
                 <a:cs typeface="Consolas"/>
                 <a:sym typeface="Consolas"/>
               </a:rPr>
-              <a:t>				pottery.mark_as_baked()</a:t>
+              <a:t> 10                 pottery.mark_as_baked()</a:t>
             </a:r>
           </a:p>
           <a:p>
@@ -6444,14 +6540,14 @@
               <a:buNone/>
             </a:pPr>
             <a:r>
-              <a:t/>
-            </a:r>
-            <a:endParaRPr sz="1000">
-              <a:latin typeface="Consolas"/>
-              <a:ea typeface="Consolas"/>
-              <a:cs typeface="Consolas"/>
-              <a:sym typeface="Consolas"/>
-            </a:endParaRPr>
+              <a:rPr lang="en" sz="1000">
+                <a:latin typeface="Consolas"/>
+                <a:ea typeface="Consolas"/>
+                <a:cs typeface="Consolas"/>
+                <a:sym typeface="Consolas"/>
+              </a:rPr>
+              <a:t> 11 </a:t>
+            </a:r>
           </a:p>
           <a:p>
             <a:pPr lvl="0" marR="0" rtl="0" algn="l">
@@ -6473,7 +6569,7 @@
                 <a:cs typeface="Consolas"/>
                 <a:sym typeface="Consolas"/>
               </a:rPr>
-              <a:t>	def change_temperature(self, new_temperature):</a:t>
+              <a:t> 12     def change_temperature(self, new_temperature):</a:t>
             </a:r>
           </a:p>
           <a:p>
@@ -6496,7 +6592,7 @@
                 <a:cs typeface="Consolas"/>
                 <a:sym typeface="Consolas"/>
               </a:rPr>
-              <a:t>		self._temperature = new_temperature</a:t>
+              <a:t> 13         self._temperature = new_temperature</a:t>
             </a:r>
           </a:p>
           <a:p>
@@ -6513,14 +6609,14 @@
               <a:buNone/>
             </a:pPr>
             <a:r>
-              <a:t/>
-            </a:r>
-            <a:endParaRPr sz="1000">
-              <a:latin typeface="Consolas"/>
-              <a:ea typeface="Consolas"/>
-              <a:cs typeface="Consolas"/>
-              <a:sym typeface="Consolas"/>
-            </a:endParaRPr>
+              <a:rPr lang="en" sz="1000">
+                <a:latin typeface="Consolas"/>
+                <a:ea typeface="Consolas"/>
+                <a:cs typeface="Consolas"/>
+                <a:sym typeface="Consolas"/>
+              </a:rPr>
+              <a:t> 14         for pottery in self._contents:</a:t>
+            </a:r>
           </a:p>
           <a:p>
             <a:pPr lvl="0" marR="0" rtl="0" algn="l">
@@ -6542,7 +6638,7 @@
                 <a:cs typeface="Consolas"/>
                 <a:sym typeface="Consolas"/>
               </a:rPr>
-              <a:t>	def get_temperature(self):</a:t>
+              <a:t> 15             if pottery.get_bake_temperature() &gt;= self._temperature:</a:t>
             </a:r>
           </a:p>
           <a:p>
@@ -6565,7 +6661,7 @@
                 <a:cs typeface="Consolas"/>
                 <a:sym typeface="Consolas"/>
               </a:rPr>
-              <a:t>		return self._temperature</a:t>
+              <a:t> 16                 pottery.mark_as_baked()</a:t>
             </a:r>
           </a:p>
           <a:p>
@@ -6582,14 +6678,14 @@
               <a:buNone/>
             </a:pPr>
             <a:r>
-              <a:t/>
-            </a:r>
-            <a:endParaRPr sz="1000">
-              <a:latin typeface="Consolas"/>
-              <a:ea typeface="Consolas"/>
-              <a:cs typeface="Consolas"/>
-              <a:sym typeface="Consolas"/>
-            </a:endParaRPr>
+              <a:rPr lang="en" sz="1000">
+                <a:latin typeface="Consolas"/>
+                <a:ea typeface="Consolas"/>
+                <a:cs typeface="Consolas"/>
+                <a:sym typeface="Consolas"/>
+              </a:rPr>
+              <a:t> 17 </a:t>
+            </a:r>
           </a:p>
           <a:p>
             <a:pPr lvl="0" marR="0" rtl="0" algn="l">
@@ -6611,7 +6707,7 @@
                 <a:cs typeface="Consolas"/>
                 <a:sym typeface="Consolas"/>
               </a:rPr>
-              <a:t>	def get_contents(self, state=None):</a:t>
+              <a:t> 18     def get_temperature(self):</a:t>
             </a:r>
           </a:p>
           <a:p>
@@ -6634,7 +6730,7 @@
                 <a:cs typeface="Consolas"/>
                 <a:sym typeface="Consolas"/>
               </a:rPr>
-              <a:t>		if state:</a:t>
+              <a:t> 19         return self._temperature</a:t>
             </a:r>
           </a:p>
           <a:p>
@@ -6657,30 +6753,7 @@
                 <a:cs typeface="Consolas"/>
                 <a:sym typeface="Consolas"/>
               </a:rPr>
-              <a:t>			pottery_of_specified_state = [x for x in self._contents if x.get_bake_status == state]</a:t>
-            </a:r>
-          </a:p>
-          <a:p>
-            <a:pPr lvl="0" marR="0" rtl="0" algn="l">
-              <a:lnSpc>
-                <a:spcPct val="115000"/>
-              </a:lnSpc>
-              <a:spcBef>
-                <a:spcPts val="0"/>
-              </a:spcBef>
-              <a:spcAft>
-                <a:spcPts val="0"/>
-              </a:spcAft>
-              <a:buNone/>
-            </a:pPr>
-            <a:r>
-              <a:rPr lang="en" sz="1000">
-                <a:latin typeface="Consolas"/>
-                <a:ea typeface="Consolas"/>
-                <a:cs typeface="Consolas"/>
-                <a:sym typeface="Consolas"/>
-              </a:rPr>
-              <a:t>		return self._contents</a:t>
+              <a:t> 20 </a:t>
             </a:r>
           </a:p>
         </p:txBody>
@@ -6828,7 +6901,7 @@
                 <a:cs typeface="Consolas"/>
                 <a:sym typeface="Consolas"/>
               </a:rPr>
-              <a:t>class Pottery():</a:t>
+              <a:t> 21     def get_contents(self, state=None):</a:t>
             </a:r>
           </a:p>
           <a:p>
@@ -6851,7 +6924,7 @@
                 <a:cs typeface="Consolas"/>
                 <a:sym typeface="Consolas"/>
               </a:rPr>
-              <a:t>	def __init__(self, input_name, input_bake_temperature, input_description=None):</a:t>
+              <a:t> 22         if state:</a:t>
             </a:r>
           </a:p>
           <a:p>
@@ -6874,7 +6947,7 @@
                 <a:cs typeface="Consolas"/>
                 <a:sym typeface="Consolas"/>
               </a:rPr>
-              <a:t>		self._name = input_name</a:t>
+              <a:t> 23             pottery_of_specified_state = [x for x in self._contents if x.get_bake_status() == state]</a:t>
             </a:r>
           </a:p>
           <a:p>
@@ -6897,7 +6970,7 @@
                 <a:cs typeface="Consolas"/>
                 <a:sym typeface="Consolas"/>
               </a:rPr>
-              <a:t>		self._bake_temperature = input_bake_temperature</a:t>
+              <a:t> 24             return pottery_of_specified_state</a:t>
             </a:r>
           </a:p>
           <a:p>
@@ -6920,7 +6993,7 @@
                 <a:cs typeface="Consolas"/>
                 <a:sym typeface="Consolas"/>
               </a:rPr>
-              <a:t>		self._description = input_description</a:t>
+              <a:t> 25         return self._contents</a:t>
             </a:r>
           </a:p>
           <a:p>
@@ -6943,7 +7016,375 @@
                 <a:cs typeface="Consolas"/>
                 <a:sym typeface="Consolas"/>
               </a:rPr>
-              <a:t>		self._bake_status = “unbaked”</a:t>
+              <a:t> 26 </a:t>
+            </a:r>
+          </a:p>
+          <a:p>
+            <a:pPr lvl="0" marR="0" rtl="0" algn="l">
+              <a:lnSpc>
+                <a:spcPct val="115000"/>
+              </a:lnSpc>
+              <a:spcBef>
+                <a:spcPts val="0"/>
+              </a:spcBef>
+              <a:spcAft>
+                <a:spcPts val="0"/>
+              </a:spcAft>
+              <a:buNone/>
+            </a:pPr>
+            <a:r>
+              <a:rPr lang="en" sz="1000">
+                <a:latin typeface="Consolas"/>
+                <a:ea typeface="Consolas"/>
+                <a:cs typeface="Consolas"/>
+                <a:sym typeface="Consolas"/>
+              </a:rPr>
+              <a:t> 27     def list_contents(self, state=None):</a:t>
+            </a:r>
+          </a:p>
+          <a:p>
+            <a:pPr lvl="0" marR="0" rtl="0" algn="l">
+              <a:lnSpc>
+                <a:spcPct val="115000"/>
+              </a:lnSpc>
+              <a:spcBef>
+                <a:spcPts val="0"/>
+              </a:spcBef>
+              <a:spcAft>
+                <a:spcPts val="0"/>
+              </a:spcAft>
+              <a:buNone/>
+            </a:pPr>
+            <a:r>
+              <a:rPr lang="en" sz="1000">
+                <a:latin typeface="Consolas"/>
+                <a:ea typeface="Consolas"/>
+                <a:cs typeface="Consolas"/>
+                <a:sym typeface="Consolas"/>
+              </a:rPr>
+              <a:t> 28         if state:</a:t>
+            </a:r>
+          </a:p>
+          <a:p>
+            <a:pPr lvl="0" marR="0" rtl="0" algn="l">
+              <a:lnSpc>
+                <a:spcPct val="115000"/>
+              </a:lnSpc>
+              <a:spcBef>
+                <a:spcPts val="0"/>
+              </a:spcBef>
+              <a:spcAft>
+                <a:spcPts val="0"/>
+              </a:spcAft>
+              <a:buNone/>
+            </a:pPr>
+            <a:r>
+              <a:rPr lang="en" sz="1000">
+                <a:latin typeface="Consolas"/>
+                <a:ea typeface="Consolas"/>
+                <a:cs typeface="Consolas"/>
+                <a:sym typeface="Consolas"/>
+              </a:rPr>
+              <a:t> 29             pottery_of_specified_state = [x for x in self._contents if x.get_bake_status() == state]</a:t>
+            </a:r>
+          </a:p>
+          <a:p>
+            <a:pPr lvl="0" marR="0" rtl="0" algn="l">
+              <a:lnSpc>
+                <a:spcPct val="115000"/>
+              </a:lnSpc>
+              <a:spcBef>
+                <a:spcPts val="0"/>
+              </a:spcBef>
+              <a:spcAft>
+                <a:spcPts val="0"/>
+              </a:spcAft>
+              <a:buNone/>
+            </a:pPr>
+            <a:r>
+              <a:rPr lang="en" sz="1000">
+                <a:latin typeface="Consolas"/>
+                <a:ea typeface="Consolas"/>
+                <a:cs typeface="Consolas"/>
+                <a:sym typeface="Consolas"/>
+              </a:rPr>
+              <a:t> 30             for pottery in pottery_of_specified_state:</a:t>
+            </a:r>
+          </a:p>
+          <a:p>
+            <a:pPr lvl="0" marR="0" rtl="0" algn="l">
+              <a:lnSpc>
+                <a:spcPct val="115000"/>
+              </a:lnSpc>
+              <a:spcBef>
+                <a:spcPts val="0"/>
+              </a:spcBef>
+              <a:spcAft>
+                <a:spcPts val="0"/>
+              </a:spcAft>
+              <a:buNone/>
+            </a:pPr>
+            <a:r>
+              <a:rPr lang="en" sz="1000">
+                <a:latin typeface="Consolas"/>
+                <a:ea typeface="Consolas"/>
+                <a:cs typeface="Consolas"/>
+                <a:sym typeface="Consolas"/>
+              </a:rPr>
+              <a:t> 31                 if pottery.get_description():</a:t>
+            </a:r>
+          </a:p>
+          <a:p>
+            <a:pPr lvl="0" marR="0" rtl="0" algn="l">
+              <a:lnSpc>
+                <a:spcPct val="115000"/>
+              </a:lnSpc>
+              <a:spcBef>
+                <a:spcPts val="0"/>
+              </a:spcBef>
+              <a:spcAft>
+                <a:spcPts val="0"/>
+              </a:spcAft>
+              <a:buNone/>
+            </a:pPr>
+            <a:r>
+              <a:rPr lang="en" sz="1000">
+                <a:latin typeface="Consolas"/>
+                <a:ea typeface="Consolas"/>
+                <a:cs typeface="Consolas"/>
+                <a:sym typeface="Consolas"/>
+              </a:rPr>
+              <a:t> 32                     print("%s: bake temperature=%i, description=%s" %(pottery.get_name(),                   </a:t>
+            </a:r>
+          </a:p>
+          <a:p>
+            <a:pPr lvl="0" marR="0" rtl="0" algn="l">
+              <a:lnSpc>
+                <a:spcPct val="115000"/>
+              </a:lnSpc>
+              <a:spcBef>
+                <a:spcPts val="0"/>
+              </a:spcBef>
+              <a:spcAft>
+                <a:spcPts val="0"/>
+              </a:spcAft>
+              <a:buNone/>
+            </a:pPr>
+            <a:r>
+              <a:rPr lang="en" sz="1000">
+                <a:latin typeface="Consolas"/>
+                <a:ea typeface="Consolas"/>
+                <a:cs typeface="Consolas"/>
+                <a:sym typeface="Consolas"/>
+              </a:rPr>
+              <a:t>                            pottery.get_bake_temperature(), pottery.get_description()))</a:t>
+            </a:r>
+          </a:p>
+          <a:p>
+            <a:pPr lvl="0" marR="0" rtl="0" algn="l">
+              <a:lnSpc>
+                <a:spcPct val="115000"/>
+              </a:lnSpc>
+              <a:spcBef>
+                <a:spcPts val="0"/>
+              </a:spcBef>
+              <a:spcAft>
+                <a:spcPts val="0"/>
+              </a:spcAft>
+              <a:buNone/>
+            </a:pPr>
+            <a:r>
+              <a:rPr lang="en" sz="1000">
+                <a:latin typeface="Consolas"/>
+                <a:ea typeface="Consolas"/>
+                <a:cs typeface="Consolas"/>
+                <a:sym typeface="Consolas"/>
+              </a:rPr>
+              <a:t> 33                 else:</a:t>
+            </a:r>
+          </a:p>
+          <a:p>
+            <a:pPr lvl="0" marR="0" rtl="0" algn="l">
+              <a:lnSpc>
+                <a:spcPct val="115000"/>
+              </a:lnSpc>
+              <a:spcBef>
+                <a:spcPts val="0"/>
+              </a:spcBef>
+              <a:spcAft>
+                <a:spcPts val="0"/>
+              </a:spcAft>
+              <a:buNone/>
+            </a:pPr>
+            <a:r>
+              <a:rPr lang="en" sz="1000">
+                <a:latin typeface="Consolas"/>
+                <a:ea typeface="Consolas"/>
+                <a:cs typeface="Consolas"/>
+                <a:sym typeface="Consolas"/>
+              </a:rPr>
+              <a:t> 34                     print("%s: bake temperature=%i" %(pottery.get_name(), pottery.get_bake_temperature()))</a:t>
+            </a:r>
+          </a:p>
+          <a:p>
+            <a:pPr lvl="0" marR="0" rtl="0" algn="l">
+              <a:lnSpc>
+                <a:spcPct val="115000"/>
+              </a:lnSpc>
+              <a:spcBef>
+                <a:spcPts val="0"/>
+              </a:spcBef>
+              <a:spcAft>
+                <a:spcPts val="0"/>
+              </a:spcAft>
+              <a:buNone/>
+            </a:pPr>
+            <a:r>
+              <a:rPr lang="en" sz="1000">
+                <a:latin typeface="Consolas"/>
+                <a:ea typeface="Consolas"/>
+                <a:cs typeface="Consolas"/>
+                <a:sym typeface="Consolas"/>
+              </a:rPr>
+              <a:t> 35         else:</a:t>
+            </a:r>
+          </a:p>
+          <a:p>
+            <a:pPr lvl="0" marR="0" rtl="0" algn="l">
+              <a:lnSpc>
+                <a:spcPct val="115000"/>
+              </a:lnSpc>
+              <a:spcBef>
+                <a:spcPts val="0"/>
+              </a:spcBef>
+              <a:spcAft>
+                <a:spcPts val="0"/>
+              </a:spcAft>
+              <a:buNone/>
+            </a:pPr>
+            <a:r>
+              <a:rPr lang="en" sz="1000">
+                <a:latin typeface="Consolas"/>
+                <a:ea typeface="Consolas"/>
+                <a:cs typeface="Consolas"/>
+                <a:sym typeface="Consolas"/>
+              </a:rPr>
+              <a:t> 36             for pottery in self._contents:</a:t>
+            </a:r>
+          </a:p>
+          <a:p>
+            <a:pPr lvl="0" marR="0" rtl="0" algn="l">
+              <a:lnSpc>
+                <a:spcPct val="115000"/>
+              </a:lnSpc>
+              <a:spcBef>
+                <a:spcPts val="0"/>
+              </a:spcBef>
+              <a:spcAft>
+                <a:spcPts val="0"/>
+              </a:spcAft>
+              <a:buNone/>
+            </a:pPr>
+            <a:r>
+              <a:rPr lang="en" sz="1000">
+                <a:latin typeface="Consolas"/>
+                <a:ea typeface="Consolas"/>
+                <a:cs typeface="Consolas"/>
+                <a:sym typeface="Consolas"/>
+              </a:rPr>
+              <a:t> 37                 if pottery.get_description():</a:t>
+            </a:r>
+          </a:p>
+          <a:p>
+            <a:pPr lvl="0" marR="0" rtl="0" algn="l">
+              <a:lnSpc>
+                <a:spcPct val="115000"/>
+              </a:lnSpc>
+              <a:spcBef>
+                <a:spcPts val="0"/>
+              </a:spcBef>
+              <a:spcAft>
+                <a:spcPts val="0"/>
+              </a:spcAft>
+              <a:buNone/>
+            </a:pPr>
+            <a:r>
+              <a:rPr lang="en" sz="1000">
+                <a:latin typeface="Consolas"/>
+                <a:ea typeface="Consolas"/>
+                <a:cs typeface="Consolas"/>
+                <a:sym typeface="Consolas"/>
+              </a:rPr>
+              <a:t> 38                     print("%s: bake temperature=%i, description=%s" %(pottery.get_name(), </a:t>
+            </a:r>
+          </a:p>
+          <a:p>
+            <a:pPr lvl="0" marR="0" rtl="0" algn="l">
+              <a:lnSpc>
+                <a:spcPct val="115000"/>
+              </a:lnSpc>
+              <a:spcBef>
+                <a:spcPts val="0"/>
+              </a:spcBef>
+              <a:spcAft>
+                <a:spcPts val="0"/>
+              </a:spcAft>
+              <a:buNone/>
+            </a:pPr>
+            <a:r>
+              <a:rPr lang="en" sz="1000">
+                <a:latin typeface="Consolas"/>
+                <a:ea typeface="Consolas"/>
+                <a:cs typeface="Consolas"/>
+                <a:sym typeface="Consolas"/>
+              </a:rPr>
+              <a:t>                            pottery.get_bake_temperature(), pottery.get_description()))</a:t>
+            </a:r>
+          </a:p>
+          <a:p>
+            <a:pPr lvl="0" marR="0" rtl="0" algn="l">
+              <a:lnSpc>
+                <a:spcPct val="115000"/>
+              </a:lnSpc>
+              <a:spcBef>
+                <a:spcPts val="0"/>
+              </a:spcBef>
+              <a:spcAft>
+                <a:spcPts val="0"/>
+              </a:spcAft>
+              <a:buNone/>
+            </a:pPr>
+            <a:r>
+              <a:rPr lang="en" sz="1000">
+                <a:latin typeface="Consolas"/>
+                <a:ea typeface="Consolas"/>
+                <a:cs typeface="Consolas"/>
+                <a:sym typeface="Consolas"/>
+              </a:rPr>
+              <a:t> 39                 else:</a:t>
+            </a:r>
+          </a:p>
+          <a:p>
+            <a:pPr lvl="0" marR="0" rtl="0" algn="l">
+              <a:lnSpc>
+                <a:spcPct val="115000"/>
+              </a:lnSpc>
+              <a:spcBef>
+                <a:spcPts val="0"/>
+              </a:spcBef>
+              <a:spcAft>
+                <a:spcPts val="0"/>
+              </a:spcAft>
+              <a:buNone/>
+            </a:pPr>
+            <a:r>
+              <a:rPr lang="en" sz="1000">
+                <a:latin typeface="Consolas"/>
+                <a:ea typeface="Consolas"/>
+                <a:cs typeface="Consolas"/>
+                <a:sym typeface="Consolas"/>
+              </a:rPr>
+              <a:t> 40                     print("%s: bake temperature=%i" %(pottery.get_name(), pottery.get_bake_temperature()))                                                                                                            </a:t>
             </a:r>
           </a:p>
           <a:p>
@@ -6968,295 +7409,6 @@
               <a:cs typeface="Consolas"/>
               <a:sym typeface="Consolas"/>
             </a:endParaRPr>
-          </a:p>
-          <a:p>
-            <a:pPr lvl="0" marR="0" rtl="0" algn="l">
-              <a:lnSpc>
-                <a:spcPct val="115000"/>
-              </a:lnSpc>
-              <a:spcBef>
-                <a:spcPts val="0"/>
-              </a:spcBef>
-              <a:spcAft>
-                <a:spcPts val="0"/>
-              </a:spcAft>
-              <a:buNone/>
-            </a:pPr>
-            <a:r>
-              <a:rPr lang="en" sz="1000">
-                <a:latin typeface="Consolas"/>
-                <a:ea typeface="Consolas"/>
-                <a:cs typeface="Consolas"/>
-                <a:sym typeface="Consolas"/>
-              </a:rPr>
-              <a:t>	def mark_as_baked(self):</a:t>
-            </a:r>
-          </a:p>
-          <a:p>
-            <a:pPr lvl="0" marR="0" rtl="0" algn="l">
-              <a:lnSpc>
-                <a:spcPct val="115000"/>
-              </a:lnSpc>
-              <a:spcBef>
-                <a:spcPts val="0"/>
-              </a:spcBef>
-              <a:spcAft>
-                <a:spcPts val="0"/>
-              </a:spcAft>
-              <a:buNone/>
-            </a:pPr>
-            <a:r>
-              <a:rPr lang="en" sz="1000">
-                <a:latin typeface="Consolas"/>
-                <a:ea typeface="Consolas"/>
-                <a:cs typeface="Consolas"/>
-                <a:sym typeface="Consolas"/>
-              </a:rPr>
-              <a:t>		self._bake_status = “baked”</a:t>
-            </a:r>
-          </a:p>
-          <a:p>
-            <a:pPr lvl="0" marR="0" rtl="0" algn="l">
-              <a:lnSpc>
-                <a:spcPct val="115000"/>
-              </a:lnSpc>
-              <a:spcBef>
-                <a:spcPts val="0"/>
-              </a:spcBef>
-              <a:spcAft>
-                <a:spcPts val="0"/>
-              </a:spcAft>
-              <a:buNone/>
-            </a:pPr>
-            <a:r>
-              <a:t/>
-            </a:r>
-            <a:endParaRPr sz="1000">
-              <a:latin typeface="Consolas"/>
-              <a:ea typeface="Consolas"/>
-              <a:cs typeface="Consolas"/>
-              <a:sym typeface="Consolas"/>
-            </a:endParaRPr>
-          </a:p>
-          <a:p>
-            <a:pPr lvl="0" rtl="0">
-              <a:spcBef>
-                <a:spcPts val="0"/>
-              </a:spcBef>
-              <a:spcAft>
-                <a:spcPts val="0"/>
-              </a:spcAft>
-              <a:buNone/>
-            </a:pPr>
-            <a:r>
-              <a:rPr lang="en" sz="1000">
-                <a:latin typeface="Consolas"/>
-                <a:ea typeface="Consolas"/>
-                <a:cs typeface="Consolas"/>
-                <a:sym typeface="Consolas"/>
-              </a:rPr>
-              <a:t>	def get_name(self):</a:t>
-            </a:r>
-          </a:p>
-          <a:p>
-            <a:pPr lvl="0" rtl="0">
-              <a:spcBef>
-                <a:spcPts val="0"/>
-              </a:spcBef>
-              <a:spcAft>
-                <a:spcPts val="0"/>
-              </a:spcAft>
-              <a:buNone/>
-            </a:pPr>
-            <a:r>
-              <a:rPr lang="en" sz="1000">
-                <a:latin typeface="Consolas"/>
-                <a:ea typeface="Consolas"/>
-                <a:cs typeface="Consolas"/>
-                <a:sym typeface="Consolas"/>
-              </a:rPr>
-              <a:t>		return self._name</a:t>
-            </a:r>
-          </a:p>
-          <a:p>
-            <a:pPr lvl="0" rtl="0">
-              <a:spcBef>
-                <a:spcPts val="0"/>
-              </a:spcBef>
-              <a:spcAft>
-                <a:spcPts val="0"/>
-              </a:spcAft>
-              <a:buNone/>
-            </a:pPr>
-            <a:r>
-              <a:t/>
-            </a:r>
-            <a:endParaRPr sz="1000">
-              <a:latin typeface="Consolas"/>
-              <a:ea typeface="Consolas"/>
-              <a:cs typeface="Consolas"/>
-              <a:sym typeface="Consolas"/>
-            </a:endParaRPr>
-          </a:p>
-          <a:p>
-            <a:pPr lvl="0" rtl="0">
-              <a:spcBef>
-                <a:spcPts val="0"/>
-              </a:spcBef>
-              <a:spcAft>
-                <a:spcPts val="0"/>
-              </a:spcAft>
-              <a:buNone/>
-            </a:pPr>
-            <a:r>
-              <a:rPr lang="en" sz="1000">
-                <a:latin typeface="Consolas"/>
-                <a:ea typeface="Consolas"/>
-                <a:cs typeface="Consolas"/>
-                <a:sym typeface="Consolas"/>
-              </a:rPr>
-              <a:t>	def get_bake_temperature(self):</a:t>
-            </a:r>
-          </a:p>
-          <a:p>
-            <a:pPr lvl="0" rtl="0">
-              <a:spcBef>
-                <a:spcPts val="0"/>
-              </a:spcBef>
-              <a:spcAft>
-                <a:spcPts val="0"/>
-              </a:spcAft>
-              <a:buNone/>
-            </a:pPr>
-            <a:r>
-              <a:rPr lang="en" sz="1000">
-                <a:latin typeface="Consolas"/>
-                <a:ea typeface="Consolas"/>
-                <a:cs typeface="Consolas"/>
-                <a:sym typeface="Consolas"/>
-              </a:rPr>
-              <a:t>		return self._bake_temperature	</a:t>
-            </a:r>
-          </a:p>
-          <a:p>
-            <a:pPr lvl="0" rtl="0">
-              <a:spcBef>
-                <a:spcPts val="0"/>
-              </a:spcBef>
-              <a:spcAft>
-                <a:spcPts val="0"/>
-              </a:spcAft>
-              <a:buNone/>
-            </a:pPr>
-            <a:r>
-              <a:t/>
-            </a:r>
-            <a:endParaRPr sz="1000">
-              <a:latin typeface="Consolas"/>
-              <a:ea typeface="Consolas"/>
-              <a:cs typeface="Consolas"/>
-              <a:sym typeface="Consolas"/>
-            </a:endParaRPr>
-          </a:p>
-          <a:p>
-            <a:pPr indent="457200" lvl="0" rtl="0">
-              <a:spcBef>
-                <a:spcPts val="0"/>
-              </a:spcBef>
-              <a:spcAft>
-                <a:spcPts val="0"/>
-              </a:spcAft>
-              <a:buNone/>
-            </a:pPr>
-            <a:r>
-              <a:rPr lang="en" sz="1000">
-                <a:latin typeface="Consolas"/>
-                <a:ea typeface="Consolas"/>
-                <a:cs typeface="Consolas"/>
-                <a:sym typeface="Consolas"/>
-              </a:rPr>
-              <a:t>def get_description(self):</a:t>
-            </a:r>
-          </a:p>
-          <a:p>
-            <a:pPr lvl="0" rtl="0">
-              <a:spcBef>
-                <a:spcPts val="0"/>
-              </a:spcBef>
-              <a:spcAft>
-                <a:spcPts val="0"/>
-              </a:spcAft>
-              <a:buNone/>
-            </a:pPr>
-            <a:r>
-              <a:rPr lang="en" sz="1000">
-                <a:latin typeface="Consolas"/>
-                <a:ea typeface="Consolas"/>
-                <a:cs typeface="Consolas"/>
-                <a:sym typeface="Consolas"/>
-              </a:rPr>
-              <a:t>		return self._description</a:t>
-            </a:r>
-          </a:p>
-          <a:p>
-            <a:pPr lvl="0" rtl="0">
-              <a:spcBef>
-                <a:spcPts val="0"/>
-              </a:spcBef>
-              <a:spcAft>
-                <a:spcPts val="0"/>
-              </a:spcAft>
-              <a:buNone/>
-            </a:pPr>
-            <a:r>
-              <a:t/>
-            </a:r>
-            <a:endParaRPr sz="1000">
-              <a:latin typeface="Consolas"/>
-              <a:ea typeface="Consolas"/>
-              <a:cs typeface="Consolas"/>
-              <a:sym typeface="Consolas"/>
-            </a:endParaRPr>
-          </a:p>
-          <a:p>
-            <a:pPr lvl="0" rtl="0">
-              <a:spcBef>
-                <a:spcPts val="0"/>
-              </a:spcBef>
-              <a:spcAft>
-                <a:spcPts val="0"/>
-              </a:spcAft>
-              <a:buNone/>
-            </a:pPr>
-            <a:r>
-              <a:rPr lang="en" sz="1000">
-                <a:latin typeface="Consolas"/>
-                <a:ea typeface="Consolas"/>
-                <a:cs typeface="Consolas"/>
-                <a:sym typeface="Consolas"/>
-              </a:rPr>
-              <a:t>	def get_bake_status(self):</a:t>
-            </a:r>
-          </a:p>
-          <a:p>
-            <a:pPr lvl="0" rtl="0">
-              <a:spcBef>
-                <a:spcPts val="0"/>
-              </a:spcBef>
-              <a:spcAft>
-                <a:spcPts val="0"/>
-              </a:spcAft>
-              <a:buNone/>
-            </a:pPr>
-            <a:r>
-              <a:rPr lang="en" sz="1000">
-                <a:latin typeface="Consolas"/>
-                <a:ea typeface="Consolas"/>
-                <a:cs typeface="Consolas"/>
-                <a:sym typeface="Consolas"/>
-              </a:rPr>
-              <a:t>		return self._bake_status</a:t>
-            </a:r>
           </a:p>
         </p:txBody>
       </p:sp>
@@ -7344,7 +7496,7 @@
           </a:bodyPr>
           <a:lstStyle/>
           <a:p>
-            <a:pPr lvl="0">
+            <a:pPr lvl="0" rtl="0">
               <a:spcBef>
                 <a:spcPts val="0"/>
               </a:spcBef>
@@ -7359,18 +7511,6 @@
               <a:t> (cont’d)</a:t>
             </a:r>
           </a:p>
-          <a:p>
-            <a:pPr lvl="0" rtl="0">
-              <a:spcBef>
-                <a:spcPts val="0"/>
-              </a:spcBef>
-              <a:buNone/>
-            </a:pPr>
-            <a:r>
-              <a:t/>
-            </a:r>
-            <a:endParaRPr sz="4800"/>
-          </a:p>
         </p:txBody>
       </p:sp>
       <p:sp>
@@ -7384,7 +7524,7 @@
         <p:spPr>
           <a:xfrm>
             <a:off x="311700" y="1152475"/>
-            <a:ext cx="8520600" cy="3416400"/>
+            <a:ext cx="8520600" cy="3833700"/>
           </a:xfrm>
           <a:prstGeom prst="rect">
             <a:avLst/>
@@ -7396,39 +7536,443 @@
           </a:bodyPr>
           <a:lstStyle/>
           <a:p>
-            <a:pPr lvl="0" rtl="0" algn="ctr">
-              <a:spcBef>
-                <a:spcPts val="0"/>
-              </a:spcBef>
-              <a:buNone/>
-            </a:pPr>
-            <a:r>
-              <a:t/>
-            </a:r>
-            <a:endParaRPr sz="3000"/>
-          </a:p>
-          <a:p>
-            <a:pPr lvl="0" rtl="0" algn="ctr">
-              <a:spcBef>
-                <a:spcPts val="0"/>
-              </a:spcBef>
-              <a:buNone/>
-            </a:pPr>
-            <a:r>
-              <a:t/>
-            </a:r>
-            <a:endParaRPr sz="3000"/>
-          </a:p>
-          <a:p>
-            <a:pPr lvl="0" rtl="0" algn="ctr">
-              <a:spcBef>
-                <a:spcPts val="0"/>
-              </a:spcBef>
-              <a:buNone/>
-            </a:pPr>
-            <a:r>
-              <a:rPr lang="en" sz="3000"/>
-              <a:t>(Example of Use)</a:t>
+            <a:pPr lvl="0" rtl="0">
+              <a:spcBef>
+                <a:spcPts val="0"/>
+              </a:spcBef>
+              <a:spcAft>
+                <a:spcPts val="0"/>
+              </a:spcAft>
+              <a:buNone/>
+            </a:pPr>
+            <a:r>
+              <a:rPr lang="en" sz="1000">
+                <a:latin typeface="Consolas"/>
+                <a:ea typeface="Consolas"/>
+                <a:cs typeface="Consolas"/>
+                <a:sym typeface="Consolas"/>
+              </a:rPr>
+              <a:t>  1 class Pottery():</a:t>
+            </a:r>
+          </a:p>
+          <a:p>
+            <a:pPr lvl="0" rtl="0">
+              <a:spcBef>
+                <a:spcPts val="0"/>
+              </a:spcBef>
+              <a:spcAft>
+                <a:spcPts val="0"/>
+              </a:spcAft>
+              <a:buNone/>
+            </a:pPr>
+            <a:r>
+              <a:rPr lang="en" sz="1000">
+                <a:latin typeface="Consolas"/>
+                <a:ea typeface="Consolas"/>
+                <a:cs typeface="Consolas"/>
+                <a:sym typeface="Consolas"/>
+              </a:rPr>
+              <a:t>  2     def __init__(self, input_name, input_bake_temperature, input_description=None):</a:t>
+            </a:r>
+          </a:p>
+          <a:p>
+            <a:pPr lvl="0" rtl="0">
+              <a:spcBef>
+                <a:spcPts val="0"/>
+              </a:spcBef>
+              <a:spcAft>
+                <a:spcPts val="0"/>
+              </a:spcAft>
+              <a:buNone/>
+            </a:pPr>
+            <a:r>
+              <a:rPr lang="en" sz="1000">
+                <a:latin typeface="Consolas"/>
+                <a:ea typeface="Consolas"/>
+                <a:cs typeface="Consolas"/>
+                <a:sym typeface="Consolas"/>
+              </a:rPr>
+              <a:t>  3         self._name = input_name</a:t>
+            </a:r>
+          </a:p>
+          <a:p>
+            <a:pPr lvl="0" rtl="0">
+              <a:spcBef>
+                <a:spcPts val="0"/>
+              </a:spcBef>
+              <a:spcAft>
+                <a:spcPts val="0"/>
+              </a:spcAft>
+              <a:buNone/>
+            </a:pPr>
+            <a:r>
+              <a:rPr lang="en" sz="1000">
+                <a:latin typeface="Consolas"/>
+                <a:ea typeface="Consolas"/>
+                <a:cs typeface="Consolas"/>
+                <a:sym typeface="Consolas"/>
+              </a:rPr>
+              <a:t>  4         self._bake_temperature = input_bake_temperature</a:t>
+            </a:r>
+          </a:p>
+          <a:p>
+            <a:pPr lvl="0" rtl="0">
+              <a:spcBef>
+                <a:spcPts val="0"/>
+              </a:spcBef>
+              <a:spcAft>
+                <a:spcPts val="0"/>
+              </a:spcAft>
+              <a:buNone/>
+            </a:pPr>
+            <a:r>
+              <a:rPr lang="en" sz="1000">
+                <a:latin typeface="Consolas"/>
+                <a:ea typeface="Consolas"/>
+                <a:cs typeface="Consolas"/>
+                <a:sym typeface="Consolas"/>
+              </a:rPr>
+              <a:t>  5         self._description = input_description</a:t>
+            </a:r>
+          </a:p>
+          <a:p>
+            <a:pPr lvl="0" rtl="0">
+              <a:spcBef>
+                <a:spcPts val="0"/>
+              </a:spcBef>
+              <a:spcAft>
+                <a:spcPts val="0"/>
+              </a:spcAft>
+              <a:buNone/>
+            </a:pPr>
+            <a:r>
+              <a:rPr lang="en" sz="1000">
+                <a:latin typeface="Consolas"/>
+                <a:ea typeface="Consolas"/>
+                <a:cs typeface="Consolas"/>
+                <a:sym typeface="Consolas"/>
+              </a:rPr>
+              <a:t>  6         self._bake_status = "unbaked"</a:t>
+            </a:r>
+          </a:p>
+          <a:p>
+            <a:pPr lvl="0" rtl="0">
+              <a:spcBef>
+                <a:spcPts val="0"/>
+              </a:spcBef>
+              <a:spcAft>
+                <a:spcPts val="0"/>
+              </a:spcAft>
+              <a:buNone/>
+            </a:pPr>
+            <a:r>
+              <a:rPr lang="en" sz="1000">
+                <a:latin typeface="Consolas"/>
+                <a:ea typeface="Consolas"/>
+                <a:cs typeface="Consolas"/>
+                <a:sym typeface="Consolas"/>
+              </a:rPr>
+              <a:t>  7 </a:t>
+            </a:r>
+          </a:p>
+          <a:p>
+            <a:pPr lvl="0" rtl="0">
+              <a:spcBef>
+                <a:spcPts val="0"/>
+              </a:spcBef>
+              <a:spcAft>
+                <a:spcPts val="0"/>
+              </a:spcAft>
+              <a:buNone/>
+            </a:pPr>
+            <a:r>
+              <a:rPr lang="en" sz="1000">
+                <a:latin typeface="Consolas"/>
+                <a:ea typeface="Consolas"/>
+                <a:cs typeface="Consolas"/>
+                <a:sym typeface="Consolas"/>
+              </a:rPr>
+              <a:t>  8     def mark_as_baked(self):</a:t>
+            </a:r>
+          </a:p>
+          <a:p>
+            <a:pPr lvl="0" rtl="0">
+              <a:spcBef>
+                <a:spcPts val="0"/>
+              </a:spcBef>
+              <a:spcAft>
+                <a:spcPts val="0"/>
+              </a:spcAft>
+              <a:buNone/>
+            </a:pPr>
+            <a:r>
+              <a:rPr lang="en" sz="1000">
+                <a:latin typeface="Consolas"/>
+                <a:ea typeface="Consolas"/>
+                <a:cs typeface="Consolas"/>
+                <a:sym typeface="Consolas"/>
+              </a:rPr>
+              <a:t>  9         self._bake_status = "baked"</a:t>
+            </a:r>
+          </a:p>
+          <a:p>
+            <a:pPr lvl="0" rtl="0">
+              <a:spcBef>
+                <a:spcPts val="0"/>
+              </a:spcBef>
+              <a:spcAft>
+                <a:spcPts val="0"/>
+              </a:spcAft>
+              <a:buNone/>
+            </a:pPr>
+            <a:r>
+              <a:rPr lang="en" sz="1000">
+                <a:latin typeface="Consolas"/>
+                <a:ea typeface="Consolas"/>
+                <a:cs typeface="Consolas"/>
+                <a:sym typeface="Consolas"/>
+              </a:rPr>
+              <a:t> 10 </a:t>
+            </a:r>
+          </a:p>
+          <a:p>
+            <a:pPr lvl="0" rtl="0">
+              <a:spcBef>
+                <a:spcPts val="0"/>
+              </a:spcBef>
+              <a:spcAft>
+                <a:spcPts val="0"/>
+              </a:spcAft>
+              <a:buNone/>
+            </a:pPr>
+            <a:r>
+              <a:rPr lang="en" sz="1000">
+                <a:latin typeface="Consolas"/>
+                <a:ea typeface="Consolas"/>
+                <a:cs typeface="Consolas"/>
+                <a:sym typeface="Consolas"/>
+              </a:rPr>
+              <a:t> 11     def get_name(self):</a:t>
+            </a:r>
+          </a:p>
+          <a:p>
+            <a:pPr lvl="0" rtl="0">
+              <a:spcBef>
+                <a:spcPts val="0"/>
+              </a:spcBef>
+              <a:spcAft>
+                <a:spcPts val="0"/>
+              </a:spcAft>
+              <a:buNone/>
+            </a:pPr>
+            <a:r>
+              <a:rPr lang="en" sz="1000">
+                <a:latin typeface="Consolas"/>
+                <a:ea typeface="Consolas"/>
+                <a:cs typeface="Consolas"/>
+                <a:sym typeface="Consolas"/>
+              </a:rPr>
+              <a:t> 12         return self._name</a:t>
+            </a:r>
+          </a:p>
+          <a:p>
+            <a:pPr lvl="0" rtl="0">
+              <a:spcBef>
+                <a:spcPts val="0"/>
+              </a:spcBef>
+              <a:spcAft>
+                <a:spcPts val="0"/>
+              </a:spcAft>
+              <a:buNone/>
+            </a:pPr>
+            <a:r>
+              <a:rPr lang="en" sz="1000">
+                <a:latin typeface="Consolas"/>
+                <a:ea typeface="Consolas"/>
+                <a:cs typeface="Consolas"/>
+                <a:sym typeface="Consolas"/>
+              </a:rPr>
+              <a:t> 13 </a:t>
+            </a:r>
+          </a:p>
+          <a:p>
+            <a:pPr lvl="0" rtl="0">
+              <a:spcBef>
+                <a:spcPts val="0"/>
+              </a:spcBef>
+              <a:spcAft>
+                <a:spcPts val="0"/>
+              </a:spcAft>
+              <a:buNone/>
+            </a:pPr>
+            <a:r>
+              <a:rPr lang="en" sz="1000">
+                <a:latin typeface="Consolas"/>
+                <a:ea typeface="Consolas"/>
+                <a:cs typeface="Consolas"/>
+                <a:sym typeface="Consolas"/>
+              </a:rPr>
+              <a:t> 14     def get_bake_temperature(self):</a:t>
+            </a:r>
+          </a:p>
+          <a:p>
+            <a:pPr lvl="0" rtl="0">
+              <a:spcBef>
+                <a:spcPts val="0"/>
+              </a:spcBef>
+              <a:spcAft>
+                <a:spcPts val="0"/>
+              </a:spcAft>
+              <a:buNone/>
+            </a:pPr>
+            <a:r>
+              <a:rPr lang="en" sz="1000">
+                <a:latin typeface="Consolas"/>
+                <a:ea typeface="Consolas"/>
+                <a:cs typeface="Consolas"/>
+                <a:sym typeface="Consolas"/>
+              </a:rPr>
+              <a:t> 15         return self._bake_temperature</a:t>
+            </a:r>
+          </a:p>
+          <a:p>
+            <a:pPr lvl="0" rtl="0">
+              <a:spcBef>
+                <a:spcPts val="0"/>
+              </a:spcBef>
+              <a:spcAft>
+                <a:spcPts val="0"/>
+              </a:spcAft>
+              <a:buNone/>
+            </a:pPr>
+            <a:r>
+              <a:rPr lang="en" sz="1000">
+                <a:latin typeface="Consolas"/>
+                <a:ea typeface="Consolas"/>
+                <a:cs typeface="Consolas"/>
+                <a:sym typeface="Consolas"/>
+              </a:rPr>
+              <a:t> 16 </a:t>
+            </a:r>
+          </a:p>
+          <a:p>
+            <a:pPr lvl="0" rtl="0">
+              <a:spcBef>
+                <a:spcPts val="0"/>
+              </a:spcBef>
+              <a:spcAft>
+                <a:spcPts val="0"/>
+              </a:spcAft>
+              <a:buNone/>
+            </a:pPr>
+            <a:r>
+              <a:rPr lang="en" sz="1000">
+                <a:latin typeface="Consolas"/>
+                <a:ea typeface="Consolas"/>
+                <a:cs typeface="Consolas"/>
+                <a:sym typeface="Consolas"/>
+              </a:rPr>
+              <a:t> 17     def get_description(self):</a:t>
+            </a:r>
+          </a:p>
+          <a:p>
+            <a:pPr lvl="0" rtl="0">
+              <a:spcBef>
+                <a:spcPts val="0"/>
+              </a:spcBef>
+              <a:spcAft>
+                <a:spcPts val="0"/>
+              </a:spcAft>
+              <a:buNone/>
+            </a:pPr>
+            <a:r>
+              <a:rPr lang="en" sz="1000">
+                <a:latin typeface="Consolas"/>
+                <a:ea typeface="Consolas"/>
+                <a:cs typeface="Consolas"/>
+                <a:sym typeface="Consolas"/>
+              </a:rPr>
+              <a:t> 18         return self._description</a:t>
+            </a:r>
+          </a:p>
+          <a:p>
+            <a:pPr lvl="0" rtl="0">
+              <a:spcBef>
+                <a:spcPts val="0"/>
+              </a:spcBef>
+              <a:spcAft>
+                <a:spcPts val="0"/>
+              </a:spcAft>
+              <a:buNone/>
+            </a:pPr>
+            <a:r>
+              <a:rPr lang="en" sz="1000">
+                <a:latin typeface="Consolas"/>
+                <a:ea typeface="Consolas"/>
+                <a:cs typeface="Consolas"/>
+                <a:sym typeface="Consolas"/>
+              </a:rPr>
+              <a:t> 19 </a:t>
+            </a:r>
+          </a:p>
+          <a:p>
+            <a:pPr lvl="0" rtl="0">
+              <a:spcBef>
+                <a:spcPts val="0"/>
+              </a:spcBef>
+              <a:spcAft>
+                <a:spcPts val="0"/>
+              </a:spcAft>
+              <a:buNone/>
+            </a:pPr>
+            <a:r>
+              <a:rPr lang="en" sz="1000">
+                <a:latin typeface="Consolas"/>
+                <a:ea typeface="Consolas"/>
+                <a:cs typeface="Consolas"/>
+                <a:sym typeface="Consolas"/>
+              </a:rPr>
+              <a:t> 20     def get_bake_status(self):</a:t>
+            </a:r>
+          </a:p>
+          <a:p>
+            <a:pPr lvl="0" rtl="0">
+              <a:spcBef>
+                <a:spcPts val="0"/>
+              </a:spcBef>
+              <a:spcAft>
+                <a:spcPts val="0"/>
+              </a:spcAft>
+              <a:buNone/>
+            </a:pPr>
+            <a:r>
+              <a:rPr lang="en" sz="1000">
+                <a:latin typeface="Consolas"/>
+                <a:ea typeface="Consolas"/>
+                <a:cs typeface="Consolas"/>
+                <a:sym typeface="Consolas"/>
+              </a:rPr>
+              <a:t> 21         return self._bake_status</a:t>
+            </a:r>
+          </a:p>
+          <a:p>
+            <a:pPr lvl="0" rtl="0">
+              <a:spcBef>
+                <a:spcPts val="0"/>
+              </a:spcBef>
+              <a:spcAft>
+                <a:spcPts val="0"/>
+              </a:spcAft>
+              <a:buNone/>
+            </a:pPr>
+            <a:r>
+              <a:rPr lang="en" sz="1000">
+                <a:latin typeface="Consolas"/>
+                <a:ea typeface="Consolas"/>
+                <a:cs typeface="Consolas"/>
+                <a:sym typeface="Consolas"/>
+              </a:rPr>
+              <a:t> 22 </a:t>
             </a:r>
           </a:p>
         </p:txBody>
@@ -7517,7 +8061,7 @@
           </a:bodyPr>
           <a:lstStyle/>
           <a:p>
-            <a:pPr lvl="0" rtl="0">
+            <a:pPr lvl="0">
               <a:spcBef>
                 <a:spcPts val="0"/>
               </a:spcBef>
@@ -7525,8 +8069,24 @@
             </a:pPr>
             <a:r>
               <a:rPr lang="en" sz="4800"/>
-              <a:t>Python - Functions</a:t>
-            </a:r>
+              <a:t>Python - Class Example</a:t>
+            </a:r>
+            <a:r>
+              <a:rPr lang="en" sz="3600"/>
+              <a:t> (cont’d)</a:t>
+            </a:r>
+          </a:p>
+          <a:p>
+            <a:pPr lvl="0" rtl="0">
+              <a:spcBef>
+                <a:spcPts val="0"/>
+              </a:spcBef>
+              <a:buNone/>
+            </a:pPr>
+            <a:r>
+              <a:t/>
+            </a:r>
+            <a:endParaRPr sz="4800"/>
           </a:p>
         </p:txBody>
       </p:sp>
@@ -7541,7 +8101,7 @@
         <p:spPr>
           <a:xfrm>
             <a:off x="311700" y="1152475"/>
-            <a:ext cx="8520600" cy="3833700"/>
+            <a:ext cx="8520600" cy="3416400"/>
           </a:xfrm>
           <a:prstGeom prst="rect">
             <a:avLst/>
@@ -7553,148 +8113,40 @@
           </a:bodyPr>
           <a:lstStyle/>
           <a:p>
-            <a:pPr indent="-381000" lvl="0" marL="457200" marR="0" rtl="0" algn="l">
-              <a:lnSpc>
-                <a:spcPct val="115000"/>
-              </a:lnSpc>
-              <a:spcBef>
-                <a:spcPts val="0"/>
-              </a:spcBef>
-              <a:spcAft>
-                <a:spcPts val="1600"/>
-              </a:spcAft>
-              <a:buSzPct val="100000"/>
-            </a:pPr>
-            <a:r>
-              <a:rPr lang="en" sz="2400"/>
-              <a:t>Meant to perform a generic operation on some specific input format</a:t>
-            </a:r>
-          </a:p>
-          <a:p>
-            <a:pPr indent="-381000" lvl="1" marL="914400" marR="0" rtl="0" algn="l">
-              <a:lnSpc>
-                <a:spcPct val="115000"/>
-              </a:lnSpc>
-              <a:spcBef>
-                <a:spcPts val="0"/>
-              </a:spcBef>
-              <a:spcAft>
-                <a:spcPts val="1600"/>
-              </a:spcAft>
-              <a:buSzPct val="100000"/>
-            </a:pPr>
-            <a:r>
-              <a:rPr lang="en" sz="2400"/>
-              <a:t>Data processing? Use a function.</a:t>
-            </a:r>
-          </a:p>
-          <a:p>
-            <a:pPr indent="-381000" lvl="1" marL="914400" marR="0" rtl="0" algn="l">
-              <a:lnSpc>
-                <a:spcPct val="115000"/>
-              </a:lnSpc>
-              <a:spcBef>
-                <a:spcPts val="0"/>
-              </a:spcBef>
-              <a:spcAft>
-                <a:spcPts val="1600"/>
-              </a:spcAft>
-              <a:buSzPct val="100000"/>
-            </a:pPr>
-            <a:r>
-              <a:rPr lang="en" sz="2400"/>
-              <a:t>Noticing a repeated operation? Use a function.</a:t>
-            </a:r>
-          </a:p>
-          <a:p>
-            <a:pPr indent="-381000" lvl="0" marL="457200" marR="0" rtl="0" algn="l">
-              <a:lnSpc>
-                <a:spcPct val="115000"/>
-              </a:lnSpc>
-              <a:spcBef>
-                <a:spcPts val="0"/>
-              </a:spcBef>
-              <a:spcAft>
-                <a:spcPts val="1600"/>
-              </a:spcAft>
-              <a:buSzPct val="100000"/>
-            </a:pPr>
-            <a:r>
-              <a:rPr lang="en" sz="2400"/>
-              <a:t>Simple</a:t>
-            </a:r>
-          </a:p>
-          <a:p>
-            <a:pPr indent="-381000" lvl="1" marL="914400" marR="0" rtl="0" algn="l">
-              <a:lnSpc>
-                <a:spcPct val="115000"/>
-              </a:lnSpc>
-              <a:spcBef>
-                <a:spcPts val="0"/>
-              </a:spcBef>
-              <a:spcAft>
-                <a:spcPts val="1600"/>
-              </a:spcAft>
-              <a:buSzPct val="100000"/>
-            </a:pPr>
-            <a:r>
-              <a:rPr lang="en" sz="2400"/>
-              <a:t>Easy to read</a:t>
-            </a:r>
-          </a:p>
-          <a:p>
-            <a:pPr indent="-381000" lvl="1" marL="914400" marR="0" rtl="0" algn="l">
-              <a:lnSpc>
-                <a:spcPct val="115000"/>
-              </a:lnSpc>
-              <a:spcBef>
-                <a:spcPts val="0"/>
-              </a:spcBef>
-              <a:spcAft>
-                <a:spcPts val="1600"/>
-              </a:spcAft>
-              <a:buSzPct val="100000"/>
-            </a:pPr>
-            <a:r>
-              <a:rPr lang="en" sz="2400"/>
-              <a:t>Easy to debug</a:t>
-            </a:r>
-          </a:p>
-          <a:p>
-            <a:pPr indent="-381000" lvl="1" marL="914400" marR="0" rtl="0" algn="l">
-              <a:lnSpc>
-                <a:spcPct val="115000"/>
-              </a:lnSpc>
-              <a:spcBef>
-                <a:spcPts val="0"/>
-              </a:spcBef>
-              <a:spcAft>
-                <a:spcPts val="1600"/>
-              </a:spcAft>
-              <a:buSzPct val="100000"/>
-            </a:pPr>
-            <a:r>
-              <a:rPr lang="en" sz="2400"/>
-              <a:t>Should be documented, but not absolutely required</a:t>
-            </a:r>
-          </a:p>
-          <a:p>
-            <a:pPr indent="0" lvl="0" marL="0" marR="0" rtl="0" algn="l">
-              <a:lnSpc>
-                <a:spcPct val="115000"/>
-              </a:lnSpc>
-              <a:spcBef>
-                <a:spcPts val="0"/>
-              </a:spcBef>
-              <a:spcAft>
-                <a:spcPts val="1600"/>
-              </a:spcAft>
+            <a:pPr lvl="0" rtl="0" algn="ctr">
+              <a:spcBef>
+                <a:spcPts val="0"/>
+              </a:spcBef>
               <a:buNone/>
             </a:pPr>
             <a:r>
               <a:t/>
             </a:r>
-            <a:endParaRPr sz="2400"/>
+            <a:endParaRPr sz="3000"/>
+          </a:p>
+          <a:p>
+            <a:pPr lvl="0" rtl="0" algn="ctr">
+              <a:spcBef>
+                <a:spcPts val="0"/>
+              </a:spcBef>
+              <a:buNone/>
+            </a:pPr>
+            <a:r>
+              <a:t/>
+            </a:r>
+            <a:endParaRPr sz="3000"/>
+          </a:p>
+          <a:p>
+            <a:pPr lvl="0" rtl="0" algn="ctr">
+              <a:spcBef>
+                <a:spcPts val="0"/>
+              </a:spcBef>
+              <a:buNone/>
+            </a:pPr>
+            <a:r>
+              <a:rPr lang="en" sz="3000"/>
+              <a:t>(Example of Use)</a:t>
+            </a:r>
           </a:p>
         </p:txBody>
       </p:sp>
@@ -7790,7 +8242,7 @@
             </a:pPr>
             <a:r>
               <a:rPr lang="en" sz="4800"/>
-              <a:t>Functions vs Classes</a:t>
+              <a:t>Python - Functions</a:t>
             </a:r>
           </a:p>
         </p:txBody>
@@ -7818,56 +8270,148 @@
           </a:bodyPr>
           <a:lstStyle/>
           <a:p>
-            <a:pPr indent="-381000" lvl="0" marL="457200" rtl="0">
-              <a:spcBef>
-                <a:spcPts val="0"/>
-              </a:spcBef>
+            <a:pPr indent="-381000" lvl="0" marL="457200" marR="0" rtl="0" algn="l">
+              <a:lnSpc>
+                <a:spcPct val="115000"/>
+              </a:lnSpc>
+              <a:spcBef>
+                <a:spcPts val="0"/>
+              </a:spcBef>
+              <a:spcAft>
+                <a:spcPts val="1600"/>
+              </a:spcAft>
               <a:buSzPct val="100000"/>
             </a:pPr>
             <a:r>
               <a:rPr lang="en" sz="2400"/>
-              <a:t>Functions can be used to solve any issue. Classes have a specific purpose.</a:t>
-            </a:r>
-          </a:p>
-          <a:p>
-            <a:pPr indent="-381000" lvl="0" marL="457200" rtl="0">
-              <a:spcBef>
-                <a:spcPts val="0"/>
-              </a:spcBef>
+              <a:t>Meant to perform a generic operation on some specific input format</a:t>
+            </a:r>
+          </a:p>
+          <a:p>
+            <a:pPr indent="-381000" lvl="1" marL="914400" marR="0" rtl="0" algn="l">
+              <a:lnSpc>
+                <a:spcPct val="115000"/>
+              </a:lnSpc>
+              <a:spcBef>
+                <a:spcPts val="0"/>
+              </a:spcBef>
+              <a:spcAft>
+                <a:spcPts val="1600"/>
+              </a:spcAft>
               <a:buSzPct val="100000"/>
             </a:pPr>
             <a:r>
               <a:rPr lang="en" sz="2400"/>
-              <a:t>Functions can call functions - but if a function has a subfunction, use a class.</a:t>
-            </a:r>
-          </a:p>
-          <a:p>
-            <a:pPr indent="-381000" lvl="0" marL="457200" rtl="0">
-              <a:spcBef>
-                <a:spcPts val="0"/>
-              </a:spcBef>
+              <a:t>Data processing? Use a function.</a:t>
+            </a:r>
+          </a:p>
+          <a:p>
+            <a:pPr indent="-381000" lvl="1" marL="914400" marR="0" rtl="0" algn="l">
+              <a:lnSpc>
+                <a:spcPct val="115000"/>
+              </a:lnSpc>
+              <a:spcBef>
+                <a:spcPts val="0"/>
+              </a:spcBef>
+              <a:spcAft>
+                <a:spcPts val="1600"/>
+              </a:spcAft>
               <a:buSzPct val="100000"/>
             </a:pPr>
             <a:r>
               <a:rPr lang="en" sz="2400"/>
-              <a:t>If a class has only one method, consider using a function.</a:t>
-            </a:r>
-          </a:p>
-          <a:p>
-            <a:pPr indent="-381000" lvl="0" marL="457200" rtl="0">
-              <a:spcBef>
-                <a:spcPts val="0"/>
-              </a:spcBef>
-              <a:buSzPct val="100000"/>
-            </a:pPr>
-            <a:r>
-              <a:rPr b="1" lang="en" sz="2400"/>
-              <a:t>If you do not have time to thoroughly build documentation, application tests, and unit tests for a class, </a:t>
-            </a:r>
-            <a:r>
-              <a:rPr b="1" i="1" lang="en" sz="2400"/>
-              <a:t>do not use classes.</a:t>
-            </a:r>
+              <a:t>Noticing a repeated operation? Use a function.</a:t>
+            </a:r>
+          </a:p>
+          <a:p>
+            <a:pPr indent="-381000" lvl="0" marL="457200" marR="0" rtl="0" algn="l">
+              <a:lnSpc>
+                <a:spcPct val="115000"/>
+              </a:lnSpc>
+              <a:spcBef>
+                <a:spcPts val="0"/>
+              </a:spcBef>
+              <a:spcAft>
+                <a:spcPts val="1600"/>
+              </a:spcAft>
+              <a:buSzPct val="100000"/>
+            </a:pPr>
+            <a:r>
+              <a:rPr lang="en" sz="2400"/>
+              <a:t>Simple</a:t>
+            </a:r>
+          </a:p>
+          <a:p>
+            <a:pPr indent="-381000" lvl="1" marL="914400" marR="0" rtl="0" algn="l">
+              <a:lnSpc>
+                <a:spcPct val="115000"/>
+              </a:lnSpc>
+              <a:spcBef>
+                <a:spcPts val="0"/>
+              </a:spcBef>
+              <a:spcAft>
+                <a:spcPts val="1600"/>
+              </a:spcAft>
+              <a:buSzPct val="100000"/>
+            </a:pPr>
+            <a:r>
+              <a:rPr lang="en" sz="2400"/>
+              <a:t>Easy to read</a:t>
+            </a:r>
+          </a:p>
+          <a:p>
+            <a:pPr indent="-381000" lvl="1" marL="914400" marR="0" rtl="0" algn="l">
+              <a:lnSpc>
+                <a:spcPct val="115000"/>
+              </a:lnSpc>
+              <a:spcBef>
+                <a:spcPts val="0"/>
+              </a:spcBef>
+              <a:spcAft>
+                <a:spcPts val="1600"/>
+              </a:spcAft>
+              <a:buSzPct val="100000"/>
+            </a:pPr>
+            <a:r>
+              <a:rPr lang="en" sz="2400"/>
+              <a:t>Easy to debug</a:t>
+            </a:r>
+          </a:p>
+          <a:p>
+            <a:pPr indent="-381000" lvl="1" marL="914400" marR="0" rtl="0" algn="l">
+              <a:lnSpc>
+                <a:spcPct val="115000"/>
+              </a:lnSpc>
+              <a:spcBef>
+                <a:spcPts val="0"/>
+              </a:spcBef>
+              <a:spcAft>
+                <a:spcPts val="1600"/>
+              </a:spcAft>
+              <a:buSzPct val="100000"/>
+            </a:pPr>
+            <a:r>
+              <a:rPr lang="en" sz="2400"/>
+              <a:t>Should be documented, but not absolutely required</a:t>
+            </a:r>
+          </a:p>
+          <a:p>
+            <a:pPr indent="0" lvl="0" marL="0" marR="0" rtl="0" algn="l">
+              <a:lnSpc>
+                <a:spcPct val="115000"/>
+              </a:lnSpc>
+              <a:spcBef>
+                <a:spcPts val="0"/>
+              </a:spcBef>
+              <a:spcAft>
+                <a:spcPts val="1600"/>
+              </a:spcAft>
+              <a:buNone/>
+            </a:pPr>
+            <a:r>
+              <a:t/>
+            </a:r>
+            <a:endParaRPr sz="2400"/>
           </a:p>
         </p:txBody>
       </p:sp>
@@ -7963,7 +8507,7 @@
             </a:pPr>
             <a:r>
               <a:rPr lang="en" sz="4800"/>
-              <a:t>Python - Function Examples</a:t>
+              <a:t>Functions vs Classes</a:t>
             </a:r>
           </a:p>
         </p:txBody>
@@ -7991,303 +8535,56 @@
           </a:bodyPr>
           <a:lstStyle/>
           <a:p>
-            <a:pPr lvl="0" rtl="0">
-              <a:spcBef>
-                <a:spcPts val="0"/>
-              </a:spcBef>
-              <a:spcAft>
-                <a:spcPts val="0"/>
-              </a:spcAft>
-              <a:buNone/>
-            </a:pPr>
-            <a:r>
-              <a:rPr lang="en" sz="1000">
-                <a:latin typeface="Consolas"/>
-                <a:ea typeface="Consolas"/>
-                <a:cs typeface="Consolas"/>
-                <a:sym typeface="Consolas"/>
-              </a:rPr>
-              <a:t>d</a:t>
-            </a:r>
-            <a:r>
-              <a:rPr lang="en" sz="1000">
-                <a:latin typeface="Consolas"/>
-                <a:ea typeface="Consolas"/>
-                <a:cs typeface="Consolas"/>
-                <a:sym typeface="Consolas"/>
-              </a:rPr>
-              <a:t>ef sort_items_by_color(input_list, color_order = [“red”, “orange”, “yellow”, “green”, “blue”, “violet”]):</a:t>
-            </a:r>
-          </a:p>
-          <a:p>
-            <a:pPr lvl="0" rtl="0">
-              <a:spcBef>
-                <a:spcPts val="0"/>
-              </a:spcBef>
-              <a:spcAft>
-                <a:spcPts val="0"/>
-              </a:spcAft>
-              <a:buNone/>
-            </a:pPr>
-            <a:r>
-              <a:rPr lang="en" sz="1000">
-                <a:latin typeface="Consolas"/>
-                <a:ea typeface="Consolas"/>
-                <a:cs typeface="Consolas"/>
-                <a:sym typeface="Consolas"/>
-              </a:rPr>
-              <a:t>	</a:t>
-            </a:r>
-            <a:r>
-              <a:rPr lang="en" sz="1000">
-                <a:latin typeface="Consolas"/>
-                <a:ea typeface="Consolas"/>
-                <a:cs typeface="Consolas"/>
-                <a:sym typeface="Consolas"/>
-              </a:rPr>
-              <a:t>r</a:t>
-            </a:r>
-            <a:r>
-              <a:rPr lang="en" sz="1000">
-                <a:latin typeface="Consolas"/>
-                <a:ea typeface="Consolas"/>
-                <a:cs typeface="Consolas"/>
-                <a:sym typeface="Consolas"/>
-              </a:rPr>
-              <a:t>eturn_list = []</a:t>
-            </a:r>
-          </a:p>
-          <a:p>
-            <a:pPr lvl="0" rtl="0">
-              <a:spcBef>
-                <a:spcPts val="0"/>
-              </a:spcBef>
-              <a:spcAft>
-                <a:spcPts val="0"/>
-              </a:spcAft>
-              <a:buNone/>
-            </a:pPr>
-            <a:r>
-              <a:rPr lang="en" sz="1000">
-                <a:latin typeface="Consolas"/>
-                <a:ea typeface="Consolas"/>
-                <a:cs typeface="Consolas"/>
-                <a:sym typeface="Consolas"/>
-              </a:rPr>
-              <a:t>	for color in color_order:</a:t>
-            </a:r>
-          </a:p>
-          <a:p>
-            <a:pPr lvl="0" rtl="0">
-              <a:spcBef>
-                <a:spcPts val="0"/>
-              </a:spcBef>
-              <a:spcAft>
-                <a:spcPts val="0"/>
-              </a:spcAft>
-              <a:buNone/>
-            </a:pPr>
-            <a:r>
-              <a:rPr lang="en" sz="1000">
-                <a:latin typeface="Consolas"/>
-                <a:ea typeface="Consolas"/>
-                <a:cs typeface="Consolas"/>
-                <a:sym typeface="Consolas"/>
-              </a:rPr>
-              <a:t>		</a:t>
-            </a:r>
-            <a:r>
-              <a:rPr lang="en" sz="1000">
-                <a:latin typeface="Consolas"/>
-                <a:ea typeface="Consolas"/>
-                <a:cs typeface="Consolas"/>
-                <a:sym typeface="Consolas"/>
-              </a:rPr>
-              <a:t>f</a:t>
-            </a:r>
-            <a:r>
-              <a:rPr lang="en" sz="1000">
-                <a:latin typeface="Consolas"/>
-                <a:ea typeface="Consolas"/>
-                <a:cs typeface="Consolas"/>
-                <a:sym typeface="Consolas"/>
-              </a:rPr>
-              <a:t>or item in input_list:</a:t>
-            </a:r>
-          </a:p>
-          <a:p>
-            <a:pPr lvl="0" rtl="0">
-              <a:spcBef>
-                <a:spcPts val="0"/>
-              </a:spcBef>
-              <a:spcAft>
-                <a:spcPts val="0"/>
-              </a:spcAft>
-              <a:buNone/>
-            </a:pPr>
-            <a:r>
-              <a:rPr lang="en" sz="1000">
-                <a:latin typeface="Consolas"/>
-                <a:ea typeface="Consolas"/>
-                <a:cs typeface="Consolas"/>
-                <a:sym typeface="Consolas"/>
-              </a:rPr>
-              <a:t>			</a:t>
-            </a:r>
-            <a:r>
-              <a:rPr lang="en" sz="1000">
-                <a:latin typeface="Consolas"/>
-                <a:ea typeface="Consolas"/>
-                <a:cs typeface="Consolas"/>
-                <a:sym typeface="Consolas"/>
-              </a:rPr>
-              <a:t>i</a:t>
-            </a:r>
-            <a:r>
-              <a:rPr lang="en" sz="1000">
-                <a:latin typeface="Consolas"/>
-                <a:ea typeface="Consolas"/>
-                <a:cs typeface="Consolas"/>
-                <a:sym typeface="Consolas"/>
-              </a:rPr>
-              <a:t>f item.get_color == color:</a:t>
-            </a:r>
-          </a:p>
-          <a:p>
-            <a:pPr lvl="0" rtl="0">
-              <a:spcBef>
-                <a:spcPts val="0"/>
-              </a:spcBef>
-              <a:spcAft>
-                <a:spcPts val="0"/>
-              </a:spcAft>
-              <a:buNone/>
-            </a:pPr>
-            <a:r>
-              <a:rPr lang="en" sz="1000">
-                <a:latin typeface="Consolas"/>
-                <a:ea typeface="Consolas"/>
-                <a:cs typeface="Consolas"/>
-                <a:sym typeface="Consolas"/>
-              </a:rPr>
-              <a:t>				return_list.append(item)</a:t>
-            </a:r>
-          </a:p>
-          <a:p>
-            <a:pPr lvl="0" rtl="0">
-              <a:spcBef>
-                <a:spcPts val="0"/>
-              </a:spcBef>
-              <a:spcAft>
-                <a:spcPts val="0"/>
-              </a:spcAft>
-              <a:buNone/>
-            </a:pPr>
-            <a:r>
-              <a:rPr lang="en" sz="1000">
-                <a:latin typeface="Consolas"/>
-                <a:ea typeface="Consolas"/>
-                <a:cs typeface="Consolas"/>
-                <a:sym typeface="Consolas"/>
-              </a:rPr>
-              <a:t>	</a:t>
-            </a:r>
-            <a:r>
-              <a:rPr lang="en" sz="1000">
-                <a:latin typeface="Consolas"/>
-                <a:ea typeface="Consolas"/>
-                <a:cs typeface="Consolas"/>
-                <a:sym typeface="Consolas"/>
-              </a:rPr>
-              <a:t>r</a:t>
-            </a:r>
-            <a:r>
-              <a:rPr lang="en" sz="1000">
-                <a:latin typeface="Consolas"/>
-                <a:ea typeface="Consolas"/>
-                <a:cs typeface="Consolas"/>
-                <a:sym typeface="Consolas"/>
-              </a:rPr>
-              <a:t>eturn return_list</a:t>
-            </a:r>
-          </a:p>
-          <a:p>
-            <a:pPr lvl="0" rtl="0">
-              <a:spcBef>
-                <a:spcPts val="0"/>
-              </a:spcBef>
-              <a:spcAft>
-                <a:spcPts val="0"/>
-              </a:spcAft>
-              <a:buNone/>
-            </a:pPr>
-            <a:r>
-              <a:t/>
-            </a:r>
-            <a:endParaRPr sz="1000">
-              <a:latin typeface="Consolas"/>
-              <a:ea typeface="Consolas"/>
-              <a:cs typeface="Consolas"/>
-              <a:sym typeface="Consolas"/>
-            </a:endParaRPr>
-          </a:p>
-          <a:p>
-            <a:pPr lvl="0" rtl="0">
-              <a:spcBef>
-                <a:spcPts val="0"/>
-              </a:spcBef>
-              <a:spcAft>
-                <a:spcPts val="0"/>
-              </a:spcAft>
-              <a:buNone/>
-            </a:pPr>
-            <a:r>
-              <a:t/>
-            </a:r>
-            <a:endParaRPr sz="1000">
-              <a:latin typeface="Consolas"/>
-              <a:ea typeface="Consolas"/>
-              <a:cs typeface="Consolas"/>
-              <a:sym typeface="Consolas"/>
-            </a:endParaRPr>
-          </a:p>
-          <a:p>
-            <a:pPr lvl="0" rtl="0">
-              <a:spcBef>
-                <a:spcPts val="0"/>
-              </a:spcBef>
-              <a:spcAft>
-                <a:spcPts val="0"/>
-              </a:spcAft>
-              <a:buNone/>
-            </a:pPr>
-            <a:r>
-              <a:rPr lang="en" sz="1000">
-                <a:latin typeface="Consolas"/>
-                <a:ea typeface="Consolas"/>
-                <a:cs typeface="Consolas"/>
-                <a:sym typeface="Consolas"/>
-              </a:rPr>
-              <a:t>			</a:t>
-            </a:r>
-          </a:p>
-          <a:p>
-            <a:pPr lvl="0" marR="0" rtl="0" algn="l">
-              <a:lnSpc>
-                <a:spcPct val="115000"/>
-              </a:lnSpc>
-              <a:spcBef>
-                <a:spcPts val="0"/>
-              </a:spcBef>
-              <a:spcAft>
-                <a:spcPts val="1600"/>
-              </a:spcAft>
-              <a:buNone/>
-            </a:pPr>
-            <a:r>
-              <a:t/>
-            </a:r>
-            <a:endParaRPr sz="2400"/>
+            <a:pPr indent="-381000" lvl="0" marL="457200" rtl="0">
+              <a:spcBef>
+                <a:spcPts val="0"/>
+              </a:spcBef>
+              <a:buSzPct val="100000"/>
+            </a:pPr>
+            <a:r>
+              <a:rPr lang="en" sz="2400"/>
+              <a:t>Functions can be used to solve any issue. Classes have a specific purpose.</a:t>
+            </a:r>
+          </a:p>
+          <a:p>
+            <a:pPr indent="-381000" lvl="0" marL="457200" rtl="0">
+              <a:spcBef>
+                <a:spcPts val="0"/>
+              </a:spcBef>
+              <a:buSzPct val="100000"/>
+            </a:pPr>
+            <a:r>
+              <a:rPr lang="en" sz="2400"/>
+              <a:t>Functions can call functions - but if a function has a subfunction, use a class.</a:t>
+            </a:r>
+          </a:p>
+          <a:p>
+            <a:pPr indent="-381000" lvl="0" marL="457200" rtl="0">
+              <a:spcBef>
+                <a:spcPts val="0"/>
+              </a:spcBef>
+              <a:buSzPct val="100000"/>
+            </a:pPr>
+            <a:r>
+              <a:rPr lang="en" sz="2400"/>
+              <a:t>If a class has only one method, consider using a function.</a:t>
+            </a:r>
+          </a:p>
+          <a:p>
+            <a:pPr indent="-381000" lvl="0" marL="457200" rtl="0">
+              <a:spcBef>
+                <a:spcPts val="0"/>
+              </a:spcBef>
+              <a:buSzPct val="100000"/>
+            </a:pPr>
+            <a:r>
+              <a:rPr b="1" lang="en" sz="2400"/>
+              <a:t>If you do not have time to thoroughly build documentation, application tests, and unit tests for a class, </a:t>
+            </a:r>
+            <a:r>
+              <a:rPr b="1" i="1" lang="en" sz="2400"/>
+              <a:t>do not use classes.</a:t>
+            </a:r>
           </a:p>
         </p:txBody>
       </p:sp>
@@ -8427,167 +8724,16 @@
                 <a:cs typeface="Consolas"/>
                 <a:sym typeface="Consolas"/>
               </a:rPr>
-              <a:t>def sort_items_by_color(input_list, color_order = [“red”, “orange”, “yellow”, “green”, “blue”, “violet”]):</a:t>
-            </a:r>
-          </a:p>
-          <a:p>
-            <a:pPr lvl="0" rtl="0">
-              <a:spcBef>
-                <a:spcPts val="0"/>
-              </a:spcBef>
-              <a:spcAft>
-                <a:spcPts val="0"/>
-              </a:spcAft>
-              <a:buNone/>
-            </a:pPr>
-            <a:r>
-              <a:rPr lang="en" sz="1000">
-                <a:latin typeface="Consolas"/>
-                <a:ea typeface="Consolas"/>
-                <a:cs typeface="Consolas"/>
-                <a:sym typeface="Consolas"/>
-              </a:rPr>
-              <a:t>	“””</a:t>
-            </a:r>
-          </a:p>
-          <a:p>
-            <a:pPr lvl="0" rtl="0">
-              <a:spcBef>
-                <a:spcPts val="0"/>
-              </a:spcBef>
-              <a:spcAft>
-                <a:spcPts val="0"/>
-              </a:spcAft>
-              <a:buNone/>
-            </a:pPr>
-            <a:r>
-              <a:rPr lang="en" sz="1000">
-                <a:latin typeface="Consolas"/>
-                <a:ea typeface="Consolas"/>
-                <a:cs typeface="Consolas"/>
-                <a:sym typeface="Consolas"/>
-              </a:rPr>
-              <a:t>	Function to sort items by color</a:t>
-            </a:r>
-          </a:p>
-          <a:p>
-            <a:pPr lvl="0" rtl="0">
-              <a:spcBef>
-                <a:spcPts val="0"/>
-              </a:spcBef>
-              <a:spcAft>
-                <a:spcPts val="0"/>
-              </a:spcAft>
-              <a:buNone/>
-            </a:pPr>
-            <a:r>
-              <a:rPr lang="en" sz="1000">
-                <a:latin typeface="Consolas"/>
-                <a:ea typeface="Consolas"/>
-                <a:cs typeface="Consolas"/>
-                <a:sym typeface="Consolas"/>
-              </a:rPr>
-              <a:t>	Takes:</a:t>
-            </a:r>
-          </a:p>
-          <a:p>
-            <a:pPr lvl="0" rtl="0">
-              <a:spcBef>
-                <a:spcPts val="0"/>
-              </a:spcBef>
-              <a:spcAft>
-                <a:spcPts val="0"/>
-              </a:spcAft>
-              <a:buNone/>
-            </a:pPr>
-            <a:r>
-              <a:rPr lang="en" sz="1000">
-                <a:latin typeface="Consolas"/>
-                <a:ea typeface="Consolas"/>
-                <a:cs typeface="Consolas"/>
-                <a:sym typeface="Consolas"/>
-              </a:rPr>
-              <a:t>		List of items</a:t>
-            </a:r>
-          </a:p>
-          <a:p>
-            <a:pPr lvl="0" rtl="0">
-              <a:spcBef>
-                <a:spcPts val="0"/>
-              </a:spcBef>
-              <a:spcAft>
-                <a:spcPts val="0"/>
-              </a:spcAft>
-              <a:buNone/>
-            </a:pPr>
-            <a:r>
-              <a:rPr lang="en" sz="1000">
-                <a:latin typeface="Consolas"/>
-                <a:ea typeface="Consolas"/>
-                <a:cs typeface="Consolas"/>
-                <a:sym typeface="Consolas"/>
-              </a:rPr>
-              <a:t>		[Optional] Ordered list of color terms to sort by</a:t>
-            </a:r>
-          </a:p>
-          <a:p>
-            <a:pPr lvl="0" rtl="0">
-              <a:spcBef>
-                <a:spcPts val="0"/>
-              </a:spcBef>
-              <a:spcAft>
-                <a:spcPts val="0"/>
-              </a:spcAft>
-              <a:buNone/>
-            </a:pPr>
-            <a:r>
-              <a:rPr lang="en" sz="1000">
-                <a:latin typeface="Consolas"/>
-                <a:ea typeface="Consolas"/>
-                <a:cs typeface="Consolas"/>
-                <a:sym typeface="Consolas"/>
-              </a:rPr>
-              <a:t>	Returns: </a:t>
-            </a:r>
-          </a:p>
-          <a:p>
-            <a:pPr indent="457200" lvl="0" marL="457200" rtl="0">
-              <a:spcBef>
-                <a:spcPts val="0"/>
-              </a:spcBef>
-              <a:spcAft>
-                <a:spcPts val="0"/>
-              </a:spcAft>
-              <a:buNone/>
-            </a:pPr>
-            <a:r>
-              <a:rPr lang="en" sz="1000">
-                <a:latin typeface="Consolas"/>
-                <a:ea typeface="Consolas"/>
-                <a:cs typeface="Consolas"/>
-                <a:sym typeface="Consolas"/>
-              </a:rPr>
-              <a:t>List of items sorted by colors listed in ordered list</a:t>
-            </a:r>
-          </a:p>
-          <a:p>
-            <a:pPr indent="457200" lvl="0" rtl="0">
-              <a:spcBef>
-                <a:spcPts val="0"/>
-              </a:spcBef>
-              <a:spcAft>
-                <a:spcPts val="0"/>
-              </a:spcAft>
-              <a:buNone/>
-            </a:pPr>
-            <a:r>
-              <a:rPr lang="en" sz="1000">
-                <a:latin typeface="Consolas"/>
-                <a:ea typeface="Consolas"/>
-                <a:cs typeface="Consolas"/>
-                <a:sym typeface="Consolas"/>
-              </a:rPr>
-              <a:t>“””</a:t>
+              <a:t>d</a:t>
+            </a:r>
+            <a:r>
+              <a:rPr lang="en" sz="1000">
+                <a:latin typeface="Consolas"/>
+                <a:ea typeface="Consolas"/>
+                <a:cs typeface="Consolas"/>
+                <a:sym typeface="Consolas"/>
+              </a:rPr>
+              <a:t>ef sort_items_by_color(input_list, color_order = [“red”, “orange”, “yellow”, “green”, “blue”, “violet”]):</a:t>
             </a:r>
           </a:p>
           <a:p>
@@ -8609,25 +8755,23 @@
               </a:rPr>
               <a:t>	</a:t>
             </a:r>
-          </a:p>
-          <a:p>
-            <a:pPr indent="457200" lvl="0" rtl="0">
-              <a:spcBef>
-                <a:spcPts val="0"/>
-              </a:spcBef>
-              <a:spcAft>
-                <a:spcPts val="0"/>
-              </a:spcAft>
-              <a:buNone/>
-            </a:pPr>
-            <a:r>
-              <a:rPr lang="en" sz="1000">
-                <a:latin typeface="Consolas"/>
-                <a:ea typeface="Consolas"/>
-                <a:cs typeface="Consolas"/>
-                <a:sym typeface="Consolas"/>
-              </a:rPr>
-              <a:t>return_list = []</a:t>
+            <a:r>
+              <a:rPr lang="en" sz="1000">
+                <a:latin typeface="Consolas"/>
+                <a:ea typeface="Consolas"/>
+                <a:cs typeface="Consolas"/>
+                <a:sym typeface="Consolas"/>
+              </a:rPr>
+              <a:t>r</a:t>
+            </a:r>
+            <a:r>
+              <a:rPr lang="en" sz="1000">
+                <a:latin typeface="Consolas"/>
+                <a:ea typeface="Consolas"/>
+                <a:cs typeface="Consolas"/>
+                <a:sym typeface="Consolas"/>
+              </a:rPr>
+              <a:t>eturn_list = []</a:t>
             </a:r>
           </a:p>
           <a:p>
@@ -8667,27 +8811,63 @@
                 <a:cs typeface="Consolas"/>
                 <a:sym typeface="Consolas"/>
               </a:rPr>
-              <a:t>		for item in input_list:</a:t>
-            </a:r>
-          </a:p>
-          <a:p>
-            <a:pPr lvl="0" rtl="0">
-              <a:spcBef>
-                <a:spcPts val="0"/>
-              </a:spcBef>
-              <a:spcAft>
-                <a:spcPts val="0"/>
-              </a:spcAft>
-              <a:buNone/>
-            </a:pPr>
-            <a:r>
-              <a:rPr lang="en" sz="1000">
-                <a:latin typeface="Consolas"/>
-                <a:ea typeface="Consolas"/>
-                <a:cs typeface="Consolas"/>
-                <a:sym typeface="Consolas"/>
-              </a:rPr>
-              <a:t>			if item.get_color == color:</a:t>
+              <a:t>		</a:t>
+            </a:r>
+            <a:r>
+              <a:rPr lang="en" sz="1000">
+                <a:latin typeface="Consolas"/>
+                <a:ea typeface="Consolas"/>
+                <a:cs typeface="Consolas"/>
+                <a:sym typeface="Consolas"/>
+              </a:rPr>
+              <a:t>f</a:t>
+            </a:r>
+            <a:r>
+              <a:rPr lang="en" sz="1000">
+                <a:latin typeface="Consolas"/>
+                <a:ea typeface="Consolas"/>
+                <a:cs typeface="Consolas"/>
+                <a:sym typeface="Consolas"/>
+              </a:rPr>
+              <a:t>or item in input_list:</a:t>
+            </a:r>
+          </a:p>
+          <a:p>
+            <a:pPr lvl="0" rtl="0">
+              <a:spcBef>
+                <a:spcPts val="0"/>
+              </a:spcBef>
+              <a:spcAft>
+                <a:spcPts val="0"/>
+              </a:spcAft>
+              <a:buNone/>
+            </a:pPr>
+            <a:r>
+              <a:rPr lang="en" sz="1000">
+                <a:latin typeface="Consolas"/>
+                <a:ea typeface="Consolas"/>
+                <a:cs typeface="Consolas"/>
+                <a:sym typeface="Consolas"/>
+              </a:rPr>
+              <a:t>			</a:t>
+            </a:r>
+            <a:r>
+              <a:rPr lang="en" sz="1000">
+                <a:latin typeface="Consolas"/>
+                <a:ea typeface="Consolas"/>
+                <a:cs typeface="Consolas"/>
+                <a:sym typeface="Consolas"/>
+              </a:rPr>
+              <a:t>i</a:t>
+            </a:r>
+            <a:r>
+              <a:rPr lang="en" sz="1000">
+                <a:latin typeface="Consolas"/>
+                <a:ea typeface="Consolas"/>
+                <a:cs typeface="Consolas"/>
+                <a:sym typeface="Consolas"/>
+              </a:rPr>
+              <a:t>f item.get_color() == color:</a:t>
             </a:r>
           </a:p>
           <a:p>
@@ -8727,7 +8907,25 @@
                 <a:cs typeface="Consolas"/>
                 <a:sym typeface="Consolas"/>
               </a:rPr>
-              <a:t>	return return_list</a:t>
+              <a:t>	</a:t>
+            </a:r>
+            <a:r>
+              <a:rPr lang="en" sz="1000">
+                <a:latin typeface="Consolas"/>
+                <a:ea typeface="Consolas"/>
+                <a:cs typeface="Consolas"/>
+                <a:sym typeface="Consolas"/>
+              </a:rPr>
+              <a:t>r</a:t>
+            </a:r>
+            <a:r>
+              <a:rPr lang="en" sz="1000">
+                <a:latin typeface="Consolas"/>
+                <a:ea typeface="Consolas"/>
+                <a:cs typeface="Consolas"/>
+                <a:sym typeface="Consolas"/>
+              </a:rPr>
+              <a:t>eturn return_list</a:t>
             </a:r>
           </a:p>
           <a:p>
@@ -9130,23 +9328,123 @@
             </a:r>
           </a:p>
           <a:p>
-            <a:pPr lvl="0" rtl="0">
-              <a:spcBef>
-                <a:spcPts val="0"/>
-              </a:spcBef>
-              <a:spcAft>
-                <a:spcPts val="0"/>
-              </a:spcAft>
-              <a:buNone/>
-            </a:pPr>
-            <a:r>
-              <a:rPr lang="en" sz="1000">
-                <a:latin typeface="Consolas"/>
-                <a:ea typeface="Consolas"/>
-                <a:cs typeface="Consolas"/>
-                <a:sym typeface="Consolas"/>
-              </a:rPr>
-              <a:t>	return [item if item.get_color == color for item in input_list for color in color_order]</a:t>
+            <a:pPr indent="457200" lvl="0" rtl="0">
+              <a:spcBef>
+                <a:spcPts val="0"/>
+              </a:spcBef>
+              <a:spcAft>
+                <a:spcPts val="0"/>
+              </a:spcAft>
+              <a:buNone/>
+            </a:pPr>
+            <a:r>
+              <a:rPr lang="en" sz="1000">
+                <a:latin typeface="Consolas"/>
+                <a:ea typeface="Consolas"/>
+                <a:cs typeface="Consolas"/>
+                <a:sym typeface="Consolas"/>
+              </a:rPr>
+              <a:t>return_list = []</a:t>
+            </a:r>
+          </a:p>
+          <a:p>
+            <a:pPr lvl="0" rtl="0">
+              <a:spcBef>
+                <a:spcPts val="0"/>
+              </a:spcBef>
+              <a:spcAft>
+                <a:spcPts val="0"/>
+              </a:spcAft>
+              <a:buNone/>
+            </a:pPr>
+            <a:r>
+              <a:rPr lang="en" sz="1000">
+                <a:latin typeface="Consolas"/>
+                <a:ea typeface="Consolas"/>
+                <a:cs typeface="Consolas"/>
+                <a:sym typeface="Consolas"/>
+              </a:rPr>
+              <a:t>	for color in color_order:</a:t>
+            </a:r>
+          </a:p>
+          <a:p>
+            <a:pPr lvl="0" rtl="0">
+              <a:spcBef>
+                <a:spcPts val="0"/>
+              </a:spcBef>
+              <a:spcAft>
+                <a:spcPts val="0"/>
+              </a:spcAft>
+              <a:buNone/>
+            </a:pPr>
+            <a:r>
+              <a:rPr lang="en" sz="1000">
+                <a:latin typeface="Consolas"/>
+                <a:ea typeface="Consolas"/>
+                <a:cs typeface="Consolas"/>
+                <a:sym typeface="Consolas"/>
+              </a:rPr>
+              <a:t>		for item in input_list:</a:t>
+            </a:r>
+          </a:p>
+          <a:p>
+            <a:pPr lvl="0" rtl="0">
+              <a:spcBef>
+                <a:spcPts val="0"/>
+              </a:spcBef>
+              <a:spcAft>
+                <a:spcPts val="0"/>
+              </a:spcAft>
+              <a:buNone/>
+            </a:pPr>
+            <a:r>
+              <a:rPr lang="en" sz="1000">
+                <a:latin typeface="Consolas"/>
+                <a:ea typeface="Consolas"/>
+                <a:cs typeface="Consolas"/>
+                <a:sym typeface="Consolas"/>
+              </a:rPr>
+              <a:t>			if item.get_color() == color:</a:t>
+            </a:r>
+          </a:p>
+          <a:p>
+            <a:pPr lvl="0" rtl="0">
+              <a:spcBef>
+                <a:spcPts val="0"/>
+              </a:spcBef>
+              <a:spcAft>
+                <a:spcPts val="0"/>
+              </a:spcAft>
+              <a:buNone/>
+            </a:pPr>
+            <a:r>
+              <a:rPr lang="en" sz="1000">
+                <a:latin typeface="Consolas"/>
+                <a:ea typeface="Consolas"/>
+                <a:cs typeface="Consolas"/>
+                <a:sym typeface="Consolas"/>
+              </a:rPr>
+              <a:t>				return_list.append(item)</a:t>
+            </a:r>
+          </a:p>
+          <a:p>
+            <a:pPr lvl="0" rtl="0">
+              <a:spcBef>
+                <a:spcPts val="0"/>
+              </a:spcBef>
+              <a:spcAft>
+                <a:spcPts val="0"/>
+              </a:spcAft>
+              <a:buNone/>
+            </a:pPr>
+            <a:r>
+              <a:rPr lang="en" sz="1000">
+                <a:latin typeface="Consolas"/>
+                <a:ea typeface="Consolas"/>
+                <a:cs typeface="Consolas"/>
+                <a:sym typeface="Consolas"/>
+              </a:rPr>
+              <a:t>	return return_list</a:t>
             </a:r>
           </a:p>
           <a:p>
@@ -9774,143 +10072,23 @@
             </a:r>
           </a:p>
           <a:p>
-            <a:pPr indent="457200" lvl="0" marL="0" rtl="0">
-              <a:spcBef>
-                <a:spcPts val="0"/>
-              </a:spcBef>
-              <a:spcAft>
-                <a:spcPts val="0"/>
-              </a:spcAft>
-              <a:buNone/>
-            </a:pPr>
-            <a:r>
-              <a:rPr lang="en" sz="1000">
-                <a:latin typeface="Consolas"/>
-                <a:ea typeface="Consolas"/>
-                <a:cs typeface="Consolas"/>
-                <a:sym typeface="Consolas"/>
-              </a:rPr>
-              <a:t>return_list = []</a:t>
-            </a:r>
-          </a:p>
-          <a:p>
-            <a:pPr lvl="0" rtl="0">
-              <a:spcBef>
-                <a:spcPts val="0"/>
-              </a:spcBef>
-              <a:spcAft>
-                <a:spcPts val="0"/>
-              </a:spcAft>
-              <a:buNone/>
-            </a:pPr>
-            <a:r>
-              <a:rPr lang="en" sz="1000">
-                <a:latin typeface="Consolas"/>
-                <a:ea typeface="Consolas"/>
-                <a:cs typeface="Consolas"/>
-                <a:sym typeface="Consolas"/>
-              </a:rPr>
-              <a:t>	items_by_color = {}</a:t>
-            </a:r>
-          </a:p>
-          <a:p>
-            <a:pPr indent="457200" lvl="0" rtl="0">
-              <a:spcBef>
-                <a:spcPts val="0"/>
-              </a:spcBef>
-              <a:spcAft>
-                <a:spcPts val="0"/>
-              </a:spcAft>
-              <a:buNone/>
-            </a:pPr>
-            <a:r>
-              <a:rPr lang="en" sz="1000">
-                <a:latin typeface="Consolas"/>
-                <a:ea typeface="Consolas"/>
-                <a:cs typeface="Consolas"/>
-                <a:sym typeface="Consolas"/>
-              </a:rPr>
-              <a:t>for color in color_order:</a:t>
-            </a:r>
-          </a:p>
-          <a:p>
-            <a:pPr indent="457200" lvl="0" rtl="0">
-              <a:spcBef>
-                <a:spcPts val="0"/>
-              </a:spcBef>
-              <a:spcAft>
-                <a:spcPts val="0"/>
-              </a:spcAft>
-              <a:buNone/>
-            </a:pPr>
-            <a:r>
-              <a:rPr lang="en" sz="1000">
-                <a:latin typeface="Consolas"/>
-                <a:ea typeface="Consolas"/>
-                <a:cs typeface="Consolas"/>
-                <a:sym typeface="Consolas"/>
-              </a:rPr>
-              <a:t>	items_by_color[color] = []</a:t>
-            </a:r>
-          </a:p>
-          <a:p>
-            <a:pPr indent="457200" lvl="0" rtl="0">
-              <a:spcBef>
-                <a:spcPts val="0"/>
-              </a:spcBef>
-              <a:spcAft>
-                <a:spcPts val="0"/>
-              </a:spcAft>
-              <a:buNone/>
-            </a:pPr>
-            <a:r>
-              <a:rPr lang="en" sz="1000">
-                <a:latin typeface="Consolas"/>
-                <a:ea typeface="Consolas"/>
-                <a:cs typeface="Consolas"/>
-                <a:sym typeface="Consolas"/>
-              </a:rPr>
-              <a:t>	</a:t>
-            </a:r>
-          </a:p>
-          <a:p>
-            <a:pPr lvl="0" rtl="0">
-              <a:spcBef>
-                <a:spcPts val="0"/>
-              </a:spcBef>
-              <a:spcAft>
-                <a:spcPts val="0"/>
-              </a:spcAft>
-              <a:buNone/>
-            </a:pPr>
-            <a:r>
-              <a:rPr lang="en" sz="1000">
-                <a:latin typeface="Consolas"/>
-                <a:ea typeface="Consolas"/>
-                <a:cs typeface="Consolas"/>
-                <a:sym typeface="Consolas"/>
-              </a:rPr>
-              <a:t>	for item in input_list:</a:t>
-            </a:r>
-          </a:p>
-          <a:p>
-            <a:pPr lvl="0" rtl="0">
-              <a:spcBef>
-                <a:spcPts val="0"/>
-              </a:spcBef>
-              <a:spcAft>
-                <a:spcPts val="0"/>
-              </a:spcAft>
-              <a:buNone/>
-            </a:pPr>
-            <a:r>
-              <a:rPr lang="en" sz="1000">
-                <a:latin typeface="Consolas"/>
-                <a:ea typeface="Consolas"/>
-                <a:cs typeface="Consolas"/>
-                <a:sym typeface="Consolas"/>
-              </a:rPr>
-              <a:t>		items_by_color[item.get_color()].append(item)</a:t>
+            <a:pPr lvl="0" rtl="0">
+              <a:spcBef>
+                <a:spcPts val="0"/>
+              </a:spcBef>
+              <a:spcAft>
+                <a:spcPts val="0"/>
+              </a:spcAft>
+              <a:buNone/>
+            </a:pPr>
+            <a:r>
+              <a:rPr lang="en" sz="1000">
+                <a:latin typeface="Consolas"/>
+                <a:ea typeface="Consolas"/>
+                <a:cs typeface="Consolas"/>
+                <a:sym typeface="Consolas"/>
+              </a:rPr>
+              <a:t>	return [item for color in color_order for item in input_list if item.get_color == color]</a:t>
             </a:r>
           </a:p>
           <a:p>
@@ -9944,46 +10122,6 @@
               <a:buNone/>
             </a:pPr>
             <a:r>
-              <a:rPr lang="en" sz="1000">
-                <a:latin typeface="Consolas"/>
-                <a:ea typeface="Consolas"/>
-                <a:cs typeface="Consolas"/>
-                <a:sym typeface="Consolas"/>
-              </a:rPr>
-              <a:t>	for color in color_order:</a:t>
-            </a:r>
-          </a:p>
-          <a:p>
-            <a:pPr lvl="0" rtl="0">
-              <a:spcBef>
-                <a:spcPts val="0"/>
-              </a:spcBef>
-              <a:spcAft>
-                <a:spcPts val="0"/>
-              </a:spcAft>
-              <a:buNone/>
-            </a:pPr>
-            <a:r>
-              <a:rPr lang="en" sz="1000">
-                <a:latin typeface="Consolas"/>
-                <a:ea typeface="Consolas"/>
-                <a:cs typeface="Consolas"/>
-                <a:sym typeface="Consolas"/>
-              </a:rPr>
-              <a:t>		return_list.extend(items_by_color[color])</a:t>
-            </a:r>
-          </a:p>
-          <a:p>
-            <a:pPr lvl="0" rtl="0">
-              <a:spcBef>
-                <a:spcPts val="0"/>
-              </a:spcBef>
-              <a:spcAft>
-                <a:spcPts val="0"/>
-              </a:spcAft>
-              <a:buNone/>
-            </a:pPr>
-            <a:r>
               <a:t/>
             </a:r>
             <a:endParaRPr sz="1000">
@@ -10010,7 +10148,486 @@
                 <a:cs typeface="Consolas"/>
                 <a:sym typeface="Consolas"/>
               </a:rPr>
-              <a:t>	return return_list</a:t>
+              <a:t>			</a:t>
+            </a:r>
+          </a:p>
+          <a:p>
+            <a:pPr lvl="0" marR="0" rtl="0" algn="l">
+              <a:lnSpc>
+                <a:spcPct val="115000"/>
+              </a:lnSpc>
+              <a:spcBef>
+                <a:spcPts val="0"/>
+              </a:spcBef>
+              <a:spcAft>
+                <a:spcPts val="1600"/>
+              </a:spcAft>
+              <a:buNone/>
+            </a:pPr>
+            <a:r>
+              <a:t/>
+            </a:r>
+            <a:endParaRPr sz="2400"/>
+          </a:p>
+        </p:txBody>
+      </p:sp>
+      <p:sp>
+        <p:nvSpPr>
+          <p:cNvPr id="190" name="Shape 190"/>
+          <p:cNvSpPr txBox="1"/>
+          <p:nvPr>
+            <p:ph idx="12" type="sldNum"/>
+          </p:nvPr>
+        </p:nvSpPr>
+        <p:spPr>
+          <a:xfrm>
+            <a:off x="8472457" y="4663216"/>
+            <a:ext cx="548700" cy="393600"/>
+          </a:xfrm>
+          <a:prstGeom prst="rect">
+            <a:avLst/>
+          </a:prstGeom>
+        </p:spPr>
+        <p:txBody>
+          <a:bodyPr anchorCtr="0" anchor="ctr" bIns="91425" lIns="91425" rIns="91425" tIns="91425">
+            <a:noAutofit/>
+          </a:bodyPr>
+          <a:lstStyle/>
+          <a:p>
+            <a:pPr lvl="0" rtl="0">
+              <a:spcBef>
+                <a:spcPts val="0"/>
+              </a:spcBef>
+              <a:buNone/>
+            </a:pPr>
+            <a:fld id="{00000000-1234-1234-1234-123412341234}" type="slidenum">
+              <a:rPr lang="en"/>
+              <a:t>‹#›</a:t>
+            </a:fld>
+          </a:p>
+        </p:txBody>
+      </p:sp>
+    </p:spTree>
+  </p:cSld>
+  <p:clrMapOvr>
+    <a:masterClrMapping/>
+  </p:clrMapOvr>
+</p:sld>
+</file>
+
+<file path=ppt/slides/slide21.xml><?xml version="1.0" encoding="utf-8"?>
+<p:sld xmlns:a="http://schemas.openxmlformats.org/drawingml/2006/main" xmlns:r="http://schemas.openxmlformats.org/officeDocument/2006/relationships" xmlns:mc="http://schemas.openxmlformats.org/markup-compatibility/2006" xmlns:mv="urn:schemas-microsoft-com:mac:vml" xmlns:p="http://schemas.openxmlformats.org/presentationml/2006/main" xmlns:c="http://schemas.openxmlformats.org/drawingml/2006/chart" xmlns:dgm="http://schemas.openxmlformats.org/drawingml/2006/diagram" xmlns:o="urn:schemas-microsoft-com:office:office" xmlns:v="urn:schemas-microsoft-com:vml" xmlns:pvml="urn:schemas-microsoft-com:office:powerpoint" xmlns:com="http://schemas.openxmlformats.org/drawingml/2006/compatibility" xmlns:p14="http://schemas.microsoft.com/office/powerpoint/2010/main">
+  <p:cSld>
+    <p:spTree>
+      <p:nvGrpSpPr>
+        <p:cNvPr id="194" name="Shape 194"/>
+        <p:cNvGrpSpPr/>
+        <p:nvPr/>
+      </p:nvGrpSpPr>
+      <p:grpSpPr>
+        <a:xfrm>
+          <a:off x="0" y="0"/>
+          <a:ext cx="0" cy="0"/>
+          <a:chOff x="0" y="0"/>
+          <a:chExt cx="0" cy="0"/>
+        </a:xfrm>
+      </p:grpSpPr>
+      <p:sp>
+        <p:nvSpPr>
+          <p:cNvPr id="195" name="Shape 195"/>
+          <p:cNvSpPr txBox="1"/>
+          <p:nvPr>
+            <p:ph type="title"/>
+          </p:nvPr>
+        </p:nvSpPr>
+        <p:spPr>
+          <a:xfrm>
+            <a:off x="311700" y="174300"/>
+            <a:ext cx="8520600" cy="843300"/>
+          </a:xfrm>
+          <a:prstGeom prst="rect">
+            <a:avLst/>
+          </a:prstGeom>
+        </p:spPr>
+        <p:txBody>
+          <a:bodyPr anchorCtr="0" anchor="t" bIns="91425" lIns="91425" rIns="91425" tIns="91425">
+            <a:noAutofit/>
+          </a:bodyPr>
+          <a:lstStyle/>
+          <a:p>
+            <a:pPr lvl="0" rtl="0">
+              <a:spcBef>
+                <a:spcPts val="0"/>
+              </a:spcBef>
+              <a:buNone/>
+            </a:pPr>
+            <a:r>
+              <a:rPr lang="en" sz="4800"/>
+              <a:t>Python - Function Examples</a:t>
+            </a:r>
+          </a:p>
+        </p:txBody>
+      </p:sp>
+      <p:sp>
+        <p:nvSpPr>
+          <p:cNvPr id="196" name="Shape 196"/>
+          <p:cNvSpPr txBox="1"/>
+          <p:nvPr>
+            <p:ph idx="1" type="body"/>
+          </p:nvPr>
+        </p:nvSpPr>
+        <p:spPr>
+          <a:xfrm>
+            <a:off x="311700" y="1152475"/>
+            <a:ext cx="8520600" cy="3833700"/>
+          </a:xfrm>
+          <a:prstGeom prst="rect">
+            <a:avLst/>
+          </a:prstGeom>
+        </p:spPr>
+        <p:txBody>
+          <a:bodyPr anchorCtr="0" anchor="t" bIns="91425" lIns="91425" rIns="91425" tIns="91425">
+            <a:noAutofit/>
+          </a:bodyPr>
+          <a:lstStyle/>
+          <a:p>
+            <a:pPr lvl="0" rtl="0">
+              <a:spcBef>
+                <a:spcPts val="0"/>
+              </a:spcBef>
+              <a:spcAft>
+                <a:spcPts val="0"/>
+              </a:spcAft>
+              <a:buNone/>
+            </a:pPr>
+            <a:r>
+              <a:rPr lang="en" sz="1000">
+                <a:latin typeface="Consolas"/>
+                <a:ea typeface="Consolas"/>
+                <a:cs typeface="Consolas"/>
+                <a:sym typeface="Consolas"/>
+              </a:rPr>
+              <a:t>def sort_items_by_color(input_list, color_order = [“red”, “orange”, “yellow”, “green”, “blue”, “violet”]):</a:t>
+            </a:r>
+          </a:p>
+          <a:p>
+            <a:pPr lvl="0" rtl="0">
+              <a:spcBef>
+                <a:spcPts val="0"/>
+              </a:spcBef>
+              <a:spcAft>
+                <a:spcPts val="0"/>
+              </a:spcAft>
+              <a:buNone/>
+            </a:pPr>
+            <a:r>
+              <a:rPr lang="en" sz="1000">
+                <a:latin typeface="Consolas"/>
+                <a:ea typeface="Consolas"/>
+                <a:cs typeface="Consolas"/>
+                <a:sym typeface="Consolas"/>
+              </a:rPr>
+              <a:t>	“””</a:t>
+            </a:r>
+          </a:p>
+          <a:p>
+            <a:pPr lvl="0" rtl="0">
+              <a:spcBef>
+                <a:spcPts val="0"/>
+              </a:spcBef>
+              <a:spcAft>
+                <a:spcPts val="0"/>
+              </a:spcAft>
+              <a:buNone/>
+            </a:pPr>
+            <a:r>
+              <a:rPr lang="en" sz="1000">
+                <a:latin typeface="Consolas"/>
+                <a:ea typeface="Consolas"/>
+                <a:cs typeface="Consolas"/>
+                <a:sym typeface="Consolas"/>
+              </a:rPr>
+              <a:t>	Function to sort items by color</a:t>
+            </a:r>
+          </a:p>
+          <a:p>
+            <a:pPr lvl="0" rtl="0">
+              <a:spcBef>
+                <a:spcPts val="0"/>
+              </a:spcBef>
+              <a:spcAft>
+                <a:spcPts val="0"/>
+              </a:spcAft>
+              <a:buNone/>
+            </a:pPr>
+            <a:r>
+              <a:rPr lang="en" sz="1000">
+                <a:latin typeface="Consolas"/>
+                <a:ea typeface="Consolas"/>
+                <a:cs typeface="Consolas"/>
+                <a:sym typeface="Consolas"/>
+              </a:rPr>
+              <a:t>	Takes:</a:t>
+            </a:r>
+          </a:p>
+          <a:p>
+            <a:pPr lvl="0" rtl="0">
+              <a:spcBef>
+                <a:spcPts val="0"/>
+              </a:spcBef>
+              <a:spcAft>
+                <a:spcPts val="0"/>
+              </a:spcAft>
+              <a:buNone/>
+            </a:pPr>
+            <a:r>
+              <a:rPr lang="en" sz="1000">
+                <a:latin typeface="Consolas"/>
+                <a:ea typeface="Consolas"/>
+                <a:cs typeface="Consolas"/>
+                <a:sym typeface="Consolas"/>
+              </a:rPr>
+              <a:t>		List of items</a:t>
+            </a:r>
+          </a:p>
+          <a:p>
+            <a:pPr lvl="0" rtl="0">
+              <a:spcBef>
+                <a:spcPts val="0"/>
+              </a:spcBef>
+              <a:spcAft>
+                <a:spcPts val="0"/>
+              </a:spcAft>
+              <a:buNone/>
+            </a:pPr>
+            <a:r>
+              <a:rPr lang="en" sz="1000">
+                <a:latin typeface="Consolas"/>
+                <a:ea typeface="Consolas"/>
+                <a:cs typeface="Consolas"/>
+                <a:sym typeface="Consolas"/>
+              </a:rPr>
+              <a:t>		[Optional] Ordered list of color terms to sort by</a:t>
+            </a:r>
+          </a:p>
+          <a:p>
+            <a:pPr lvl="0" rtl="0">
+              <a:spcBef>
+                <a:spcPts val="0"/>
+              </a:spcBef>
+              <a:spcAft>
+                <a:spcPts val="0"/>
+              </a:spcAft>
+              <a:buNone/>
+            </a:pPr>
+            <a:r>
+              <a:rPr lang="en" sz="1000">
+                <a:latin typeface="Consolas"/>
+                <a:ea typeface="Consolas"/>
+                <a:cs typeface="Consolas"/>
+                <a:sym typeface="Consolas"/>
+              </a:rPr>
+              <a:t>	Returns: </a:t>
+            </a:r>
+          </a:p>
+          <a:p>
+            <a:pPr indent="457200" lvl="0" marL="457200" rtl="0">
+              <a:spcBef>
+                <a:spcPts val="0"/>
+              </a:spcBef>
+              <a:spcAft>
+                <a:spcPts val="0"/>
+              </a:spcAft>
+              <a:buNone/>
+            </a:pPr>
+            <a:r>
+              <a:rPr lang="en" sz="1000">
+                <a:latin typeface="Consolas"/>
+                <a:ea typeface="Consolas"/>
+                <a:cs typeface="Consolas"/>
+                <a:sym typeface="Consolas"/>
+              </a:rPr>
+              <a:t>List of items sorted by colors listed in ordered list</a:t>
+            </a:r>
+          </a:p>
+          <a:p>
+            <a:pPr indent="457200" lvl="0" rtl="0">
+              <a:spcBef>
+                <a:spcPts val="0"/>
+              </a:spcBef>
+              <a:spcAft>
+                <a:spcPts val="0"/>
+              </a:spcAft>
+              <a:buNone/>
+            </a:pPr>
+            <a:r>
+              <a:rPr lang="en" sz="1000">
+                <a:latin typeface="Consolas"/>
+                <a:ea typeface="Consolas"/>
+                <a:cs typeface="Consolas"/>
+                <a:sym typeface="Consolas"/>
+              </a:rPr>
+              <a:t>“””</a:t>
+            </a:r>
+          </a:p>
+          <a:p>
+            <a:pPr lvl="0" rtl="0">
+              <a:spcBef>
+                <a:spcPts val="0"/>
+              </a:spcBef>
+              <a:spcAft>
+                <a:spcPts val="0"/>
+              </a:spcAft>
+              <a:buNone/>
+            </a:pPr>
+            <a:r>
+              <a:rPr lang="en" sz="1000">
+                <a:latin typeface="Consolas"/>
+                <a:ea typeface="Consolas"/>
+                <a:cs typeface="Consolas"/>
+                <a:sym typeface="Consolas"/>
+              </a:rPr>
+              <a:t>	</a:t>
+            </a:r>
+          </a:p>
+          <a:p>
+            <a:pPr indent="457200" lvl="0" marL="0" rtl="0">
+              <a:spcBef>
+                <a:spcPts val="0"/>
+              </a:spcBef>
+              <a:spcAft>
+                <a:spcPts val="0"/>
+              </a:spcAft>
+              <a:buNone/>
+            </a:pPr>
+            <a:r>
+              <a:rPr lang="en" sz="1000">
+                <a:latin typeface="Consolas"/>
+                <a:ea typeface="Consolas"/>
+                <a:cs typeface="Consolas"/>
+                <a:sym typeface="Consolas"/>
+              </a:rPr>
+              <a:t>return_list = []</a:t>
+            </a:r>
+          </a:p>
+          <a:p>
+            <a:pPr lvl="0" rtl="0">
+              <a:spcBef>
+                <a:spcPts val="0"/>
+              </a:spcBef>
+              <a:spcAft>
+                <a:spcPts val="0"/>
+              </a:spcAft>
+              <a:buNone/>
+            </a:pPr>
+            <a:r>
+              <a:rPr lang="en" sz="1000">
+                <a:latin typeface="Consolas"/>
+                <a:ea typeface="Consolas"/>
+                <a:cs typeface="Consolas"/>
+                <a:sym typeface="Consolas"/>
+              </a:rPr>
+              <a:t>	items_by_color = {}</a:t>
+            </a:r>
+          </a:p>
+          <a:p>
+            <a:pPr indent="457200" lvl="0" rtl="0">
+              <a:spcBef>
+                <a:spcPts val="0"/>
+              </a:spcBef>
+              <a:spcAft>
+                <a:spcPts val="0"/>
+              </a:spcAft>
+              <a:buNone/>
+            </a:pPr>
+            <a:r>
+              <a:rPr lang="en" sz="1000">
+                <a:latin typeface="Consolas"/>
+                <a:ea typeface="Consolas"/>
+                <a:cs typeface="Consolas"/>
+                <a:sym typeface="Consolas"/>
+              </a:rPr>
+              <a:t>for color in color_order:</a:t>
+            </a:r>
+          </a:p>
+          <a:p>
+            <a:pPr indent="457200" lvl="0" rtl="0">
+              <a:spcBef>
+                <a:spcPts val="0"/>
+              </a:spcBef>
+              <a:spcAft>
+                <a:spcPts val="0"/>
+              </a:spcAft>
+              <a:buNone/>
+            </a:pPr>
+            <a:r>
+              <a:rPr lang="en" sz="1000">
+                <a:latin typeface="Consolas"/>
+                <a:ea typeface="Consolas"/>
+                <a:cs typeface="Consolas"/>
+                <a:sym typeface="Consolas"/>
+              </a:rPr>
+              <a:t>	items_by_color[color] = []</a:t>
+            </a:r>
+          </a:p>
+          <a:p>
+            <a:pPr indent="457200" lvl="0" rtl="0">
+              <a:spcBef>
+                <a:spcPts val="0"/>
+              </a:spcBef>
+              <a:spcAft>
+                <a:spcPts val="0"/>
+              </a:spcAft>
+              <a:buNone/>
+            </a:pPr>
+            <a:r>
+              <a:rPr lang="en" sz="1000">
+                <a:latin typeface="Consolas"/>
+                <a:ea typeface="Consolas"/>
+                <a:cs typeface="Consolas"/>
+                <a:sym typeface="Consolas"/>
+              </a:rPr>
+              <a:t>	</a:t>
+            </a:r>
+          </a:p>
+          <a:p>
+            <a:pPr lvl="0" rtl="0">
+              <a:spcBef>
+                <a:spcPts val="0"/>
+              </a:spcBef>
+              <a:spcAft>
+                <a:spcPts val="0"/>
+              </a:spcAft>
+              <a:buNone/>
+            </a:pPr>
+            <a:r>
+              <a:rPr lang="en" sz="1000">
+                <a:latin typeface="Consolas"/>
+                <a:ea typeface="Consolas"/>
+                <a:cs typeface="Consolas"/>
+                <a:sym typeface="Consolas"/>
+              </a:rPr>
+              <a:t>	for item in input_list:</a:t>
+            </a:r>
+          </a:p>
+          <a:p>
+            <a:pPr lvl="0" rtl="0">
+              <a:spcBef>
+                <a:spcPts val="0"/>
+              </a:spcBef>
+              <a:spcAft>
+                <a:spcPts val="0"/>
+              </a:spcAft>
+              <a:buNone/>
+            </a:pPr>
+            <a:r>
+              <a:rPr lang="en" sz="1000">
+                <a:latin typeface="Consolas"/>
+                <a:ea typeface="Consolas"/>
+                <a:cs typeface="Consolas"/>
+                <a:sym typeface="Consolas"/>
+              </a:rPr>
+              <a:t>		items_by_color[item.get_color()].append(item)</a:t>
             </a:r>
           </a:p>
           <a:p>
@@ -10044,6 +10661,46 @@
               <a:buNone/>
             </a:pPr>
             <a:r>
+              <a:rPr lang="en" sz="1000">
+                <a:latin typeface="Consolas"/>
+                <a:ea typeface="Consolas"/>
+                <a:cs typeface="Consolas"/>
+                <a:sym typeface="Consolas"/>
+              </a:rPr>
+              <a:t>	for color in color_order:</a:t>
+            </a:r>
+          </a:p>
+          <a:p>
+            <a:pPr lvl="0" rtl="0">
+              <a:spcBef>
+                <a:spcPts val="0"/>
+              </a:spcBef>
+              <a:spcAft>
+                <a:spcPts val="0"/>
+              </a:spcAft>
+              <a:buNone/>
+            </a:pPr>
+            <a:r>
+              <a:rPr lang="en" sz="1000">
+                <a:latin typeface="Consolas"/>
+                <a:ea typeface="Consolas"/>
+                <a:cs typeface="Consolas"/>
+                <a:sym typeface="Consolas"/>
+              </a:rPr>
+              <a:t>		return_list.extend(items_by_color[color])</a:t>
+            </a:r>
+          </a:p>
+          <a:p>
+            <a:pPr lvl="0" rtl="0">
+              <a:spcBef>
+                <a:spcPts val="0"/>
+              </a:spcBef>
+              <a:spcAft>
+                <a:spcPts val="0"/>
+              </a:spcAft>
+              <a:buNone/>
+            </a:pPr>
+            <a:r>
               <a:t/>
             </a:r>
             <a:endParaRPr sz="1000">
@@ -10070,6 +10727,66 @@
                 <a:cs typeface="Consolas"/>
                 <a:sym typeface="Consolas"/>
               </a:rPr>
+              <a:t>	return return_list</a:t>
+            </a:r>
+          </a:p>
+          <a:p>
+            <a:pPr lvl="0" rtl="0">
+              <a:spcBef>
+                <a:spcPts val="0"/>
+              </a:spcBef>
+              <a:spcAft>
+                <a:spcPts val="0"/>
+              </a:spcAft>
+              <a:buNone/>
+            </a:pPr>
+            <a:r>
+              <a:t/>
+            </a:r>
+            <a:endParaRPr sz="1000">
+              <a:latin typeface="Consolas"/>
+              <a:ea typeface="Consolas"/>
+              <a:cs typeface="Consolas"/>
+              <a:sym typeface="Consolas"/>
+            </a:endParaRPr>
+          </a:p>
+          <a:p>
+            <a:pPr lvl="0" rtl="0">
+              <a:spcBef>
+                <a:spcPts val="0"/>
+              </a:spcBef>
+              <a:spcAft>
+                <a:spcPts val="0"/>
+              </a:spcAft>
+              <a:buNone/>
+            </a:pPr>
+            <a:r>
+              <a:t/>
+            </a:r>
+            <a:endParaRPr sz="1000">
+              <a:latin typeface="Consolas"/>
+              <a:ea typeface="Consolas"/>
+              <a:cs typeface="Consolas"/>
+              <a:sym typeface="Consolas"/>
+            </a:endParaRPr>
+          </a:p>
+          <a:p>
+            <a:pPr lvl="0" rtl="0">
+              <a:spcBef>
+                <a:spcPts val="0"/>
+              </a:spcBef>
+              <a:spcAft>
+                <a:spcPts val="0"/>
+              </a:spcAft>
+              <a:buNone/>
+            </a:pPr>
+            <a:r>
+              <a:rPr lang="en" sz="1000">
+                <a:latin typeface="Consolas"/>
+                <a:ea typeface="Consolas"/>
+                <a:cs typeface="Consolas"/>
+                <a:sym typeface="Consolas"/>
+              </a:rPr>
               <a:t>			</a:t>
             </a:r>
           </a:p>
@@ -10095,7 +10812,7 @@
       </p:sp>
       <p:sp>
         <p:nvSpPr>
-          <p:cNvPr id="190" name="Shape 190"/>
+          <p:cNvPr id="197" name="Shape 197"/>
           <p:cNvSpPr txBox="1"/>
           <p:nvPr>
             <p:ph idx="12" type="sldNum"/>
@@ -11352,6 +12069,285 @@
 </file>
 
 <file path=ppt/theme/theme1.xml><?xml version="1.0" encoding="utf-8"?>
+<a:theme xmlns:a="http://schemas.openxmlformats.org/drawingml/2006/main" xmlns:r="http://schemas.openxmlformats.org/officeDocument/2006/relationships" name="simple-dark-2">
+  <a:themeElements>
+    <a:clrScheme name="Simple Dark">
+      <a:dk1>
+        <a:srgbClr val="FFFFFF"/>
+      </a:dk1>
+      <a:lt1>
+        <a:srgbClr val="212121"/>
+      </a:lt1>
+      <a:dk2>
+        <a:srgbClr val="303030"/>
+      </a:dk2>
+      <a:lt2>
+        <a:srgbClr val="ADADAD"/>
+      </a:lt2>
+      <a:accent1>
+        <a:srgbClr val="009688"/>
+      </a:accent1>
+      <a:accent2>
+        <a:srgbClr val="EEEEEE"/>
+      </a:accent2>
+      <a:accent3>
+        <a:srgbClr val="78909C"/>
+      </a:accent3>
+      <a:accent4>
+        <a:srgbClr val="FFAB40"/>
+      </a:accent4>
+      <a:accent5>
+        <a:srgbClr val="4DD0E1"/>
+      </a:accent5>
+      <a:accent6>
+        <a:srgbClr val="EEFF41"/>
+      </a:accent6>
+      <a:hlink>
+        <a:srgbClr val="4DD0E1"/>
+      </a:hlink>
+      <a:folHlink>
+        <a:srgbClr val="4DD0E1"/>
+      </a:folHlink>
+    </a:clrScheme>
+    <a:fontScheme name="Office">
+      <a:majorFont>
+        <a:latin typeface="Arial"/>
+        <a:ea typeface=""/>
+        <a:cs typeface=""/>
+        <a:font script="Jpan" typeface="ＭＳ Ｐゴシック"/>
+        <a:font script="Hang" typeface="맑은 고딕"/>
+        <a:font script="Hans" typeface="宋体"/>
+        <a:font script="Hant" typeface="新細明體"/>
+        <a:font script="Arab" typeface="Times New Roman"/>
+        <a:font script="Hebr" typeface="Times New Roman"/>
+        <a:font script="Thai" typeface="Angsana New"/>
+        <a:font script="Ethi" typeface="Nyala"/>
+        <a:font script="Beng" typeface="Vrinda"/>
+        <a:font script="Gujr" typeface="Shruti"/>
+        <a:font script="Khmr" typeface="MoolBoran"/>
+        <a:font script="Knda" typeface="Tunga"/>
+        <a:font script="Guru" typeface="Raavi"/>
+        <a:font script="Cans" typeface="Euphemia"/>
+        <a:font script="Cher" typeface="Plantagenet Cherokee"/>
+        <a:font script="Yiii" typeface="Microsoft Yi Baiti"/>
+        <a:font script="Tibt" typeface="Microsoft Himalaya"/>
+        <a:font script="Thaa" typeface="MV Boli"/>
+        <a:font script="Deva" typeface="Mangal"/>
+        <a:font script="Telu" typeface="Gautami"/>
+        <a:font script="Taml" typeface="Latha"/>
+        <a:font script="Syrc" typeface="Estrangelo Edessa"/>
+        <a:font script="Orya" typeface="Kalinga"/>
+        <a:font script="Mlym" typeface="Kartika"/>
+        <a:font script="Laoo" typeface="DokChampa"/>
+        <a:font script="Sinh" typeface="Iskoola Pota"/>
+        <a:font script="Mong" typeface="Mongolian Baiti"/>
+        <a:font script="Viet" typeface="Times New Roman"/>
+        <a:font script="Uigh" typeface="Microsoft Uighur"/>
+        <a:font script="Geor" typeface="Sylfaen"/>
+      </a:majorFont>
+      <a:minorFont>
+        <a:latin typeface="Arial"/>
+        <a:ea typeface=""/>
+        <a:cs typeface=""/>
+        <a:font script="Jpan" typeface="ＭＳ Ｐゴシック"/>
+        <a:font script="Hang" typeface="맑은 고딕"/>
+        <a:font script="Hans" typeface="宋体"/>
+        <a:font script="Hant" typeface="新細明體"/>
+        <a:font script="Arab" typeface="Arial"/>
+        <a:font script="Hebr" typeface="Arial"/>
+        <a:font script="Thai" typeface="Cordia New"/>
+        <a:font script="Ethi" typeface="Nyala"/>
+        <a:font script="Beng" typeface="Vrinda"/>
+        <a:font script="Gujr" typeface="Shruti"/>
+        <a:font script="Khmr" typeface="DaunPenh"/>
+        <a:font script="Knda" typeface="Tunga"/>
+        <a:font script="Guru" typeface="Raavi"/>
+        <a:font script="Cans" typeface="Euphemia"/>
+        <a:font script="Cher" typeface="Plantagenet Cherokee"/>
+        <a:font script="Yiii" typeface="Microsoft Yi Baiti"/>
+        <a:font script="Tibt" typeface="Microsoft Himalaya"/>
+        <a:font script="Thaa" typeface="MV Boli"/>
+        <a:font script="Deva" typeface="Mangal"/>
+        <a:font script="Telu" typeface="Gautami"/>
+        <a:font script="Taml" typeface="Latha"/>
+        <a:font script="Syrc" typeface="Estrangelo Edessa"/>
+        <a:font script="Orya" typeface="Kalinga"/>
+        <a:font script="Mlym" typeface="Kartika"/>
+        <a:font script="Laoo" typeface="DokChampa"/>
+        <a:font script="Sinh" typeface="Iskoola Pota"/>
+        <a:font script="Mong" typeface="Mongolian Baiti"/>
+        <a:font script="Viet" typeface="Arial"/>
+        <a:font script="Uigh" typeface="Microsoft Uighur"/>
+        <a:font script="Geor" typeface="Sylfaen"/>
+      </a:minorFont>
+    </a:fontScheme>
+    <a:fmtScheme name="Office">
+      <a:fillStyleLst>
+        <a:solidFill>
+          <a:schemeClr val="phClr"/>
+        </a:solidFill>
+        <a:gradFill rotWithShape="1">
+          <a:gsLst>
+            <a:gs pos="0">
+              <a:schemeClr val="phClr">
+                <a:tint val="50000"/>
+                <a:satMod val="300000"/>
+              </a:schemeClr>
+            </a:gs>
+            <a:gs pos="35000">
+              <a:schemeClr val="phClr">
+                <a:tint val="37000"/>
+                <a:satMod val="300000"/>
+              </a:schemeClr>
+            </a:gs>
+            <a:gs pos="100000">
+              <a:schemeClr val="phClr">
+                <a:tint val="15000"/>
+                <a:satMod val="350000"/>
+              </a:schemeClr>
+            </a:gs>
+          </a:gsLst>
+          <a:lin ang="16200000" scaled="1"/>
+        </a:gradFill>
+        <a:gradFill rotWithShape="1">
+          <a:gsLst>
+            <a:gs pos="0">
+              <a:schemeClr val="phClr">
+                <a:tint val="100000"/>
+                <a:shade val="100000"/>
+                <a:satMod val="130000"/>
+              </a:schemeClr>
+            </a:gs>
+            <a:gs pos="100000">
+              <a:schemeClr val="phClr">
+                <a:tint val="50000"/>
+                <a:shade val="100000"/>
+                <a:satMod val="350000"/>
+              </a:schemeClr>
+            </a:gs>
+          </a:gsLst>
+          <a:lin ang="16200000" scaled="0"/>
+        </a:gradFill>
+      </a:fillStyleLst>
+      <a:lnStyleLst>
+        <a:ln w="9525" cap="flat" cmpd="sng" algn="ctr">
+          <a:solidFill>
+            <a:schemeClr val="phClr">
+              <a:shade val="95000"/>
+              <a:satMod val="105000"/>
+            </a:schemeClr>
+          </a:solidFill>
+          <a:prstDash val="solid"/>
+        </a:ln>
+        <a:ln w="25400" cap="flat" cmpd="sng" algn="ctr">
+          <a:solidFill>
+            <a:schemeClr val="phClr"/>
+          </a:solidFill>
+          <a:prstDash val="solid"/>
+        </a:ln>
+        <a:ln w="38100" cap="flat" cmpd="sng" algn="ctr">
+          <a:solidFill>
+            <a:schemeClr val="phClr"/>
+          </a:solidFill>
+          <a:prstDash val="solid"/>
+        </a:ln>
+      </a:lnStyleLst>
+      <a:effectStyleLst>
+        <a:effectStyle>
+          <a:effectLst>
+            <a:outerShdw blurRad="40000" dist="20000" dir="5400000" rotWithShape="0">
+              <a:srgbClr val="000000">
+                <a:alpha val="38000"/>
+              </a:srgbClr>
+            </a:outerShdw>
+          </a:effectLst>
+        </a:effectStyle>
+        <a:effectStyle>
+          <a:effectLst>
+            <a:outerShdw blurRad="40000" dist="23000" dir="5400000" rotWithShape="0">
+              <a:srgbClr val="000000">
+                <a:alpha val="35000"/>
+              </a:srgbClr>
+            </a:outerShdw>
+          </a:effectLst>
+        </a:effectStyle>
+        <a:effectStyle>
+          <a:effectLst>
+            <a:outerShdw blurRad="40000" dist="23000" dir="5400000" rotWithShape="0">
+              <a:srgbClr val="000000">
+                <a:alpha val="35000"/>
+              </a:srgbClr>
+            </a:outerShdw>
+          </a:effectLst>
+          <a:scene3d>
+            <a:camera prst="orthographicFront">
+              <a:rot lat="0" lon="0" rev="0"/>
+            </a:camera>
+            <a:lightRig rig="threePt" dir="t">
+              <a:rot lat="0" lon="0" rev="1200000"/>
+            </a:lightRig>
+          </a:scene3d>
+          <a:sp3d>
+            <a:bevelT w="63500" h="25400"/>
+          </a:sp3d>
+        </a:effectStyle>
+      </a:effectStyleLst>
+      <a:bgFillStyleLst>
+        <a:solidFill>
+          <a:schemeClr val="phClr"/>
+        </a:solidFill>
+        <a:gradFill rotWithShape="1">
+          <a:gsLst>
+            <a:gs pos="0">
+              <a:schemeClr val="phClr">
+                <a:tint val="40000"/>
+                <a:satMod val="350000"/>
+              </a:schemeClr>
+            </a:gs>
+            <a:gs pos="40000">
+              <a:schemeClr val="phClr">
+                <a:tint val="45000"/>
+                <a:shade val="99000"/>
+                <a:satMod val="350000"/>
+              </a:schemeClr>
+            </a:gs>
+            <a:gs pos="100000">
+              <a:schemeClr val="phClr">
+                <a:shade val="20000"/>
+                <a:satMod val="255000"/>
+              </a:schemeClr>
+            </a:gs>
+          </a:gsLst>
+          <a:path path="circle">
+            <a:fillToRect l="50000" t="-80000" r="50000" b="180000"/>
+          </a:path>
+        </a:gradFill>
+        <a:gradFill rotWithShape="1">
+          <a:gsLst>
+            <a:gs pos="0">
+              <a:schemeClr val="phClr">
+                <a:tint val="80000"/>
+                <a:satMod val="300000"/>
+              </a:schemeClr>
+            </a:gs>
+            <a:gs pos="100000">
+              <a:schemeClr val="phClr">
+                <a:shade val="30000"/>
+                <a:satMod val="200000"/>
+              </a:schemeClr>
+            </a:gs>
+          </a:gsLst>
+          <a:path path="circle">
+            <a:fillToRect l="50000" t="50000" r="50000" b="50000"/>
+          </a:path>
+        </a:gradFill>
+      </a:bgFillStyleLst>
+    </a:fmtScheme>
+  </a:themeElements>
+</a:theme>
+</file>
+
+<file path=ppt/theme/theme2.xml><?xml version="1.0" encoding="utf-8"?>
 <a:theme xmlns:a="http://schemas.openxmlformats.org/drawingml/2006/main" xmlns:r="http://schemas.openxmlformats.org/officeDocument/2006/relationships" name="Custom Theme">
   <a:themeElements>
     <a:clrScheme name="Default">
@@ -11628,283 +12624,4 @@
     </a:fmtScheme>
   </a:themeElements>
 </a:theme>
-</file>
-
-<file path=ppt/theme/theme2.xml><?xml version="1.0" encoding="utf-8"?>
-<a:theme xmlns:a="http://schemas.openxmlformats.org/drawingml/2006/main" xmlns:r="http://schemas.openxmlformats.org/officeDocument/2006/relationships" name="simple-dark-2">
-  <a:themeElements>
-    <a:clrScheme name="Simple Dark">
-      <a:dk1>
-        <a:srgbClr val="FFFFFF"/>
-      </a:dk1>
-      <a:lt1>
-        <a:srgbClr val="212121"/>
-      </a:lt1>
-      <a:dk2>
-        <a:srgbClr val="303030"/>
-      </a:dk2>
-      <a:lt2>
-        <a:srgbClr val="ADADAD"/>
-      </a:lt2>
-      <a:accent1>
-        <a:srgbClr val="009688"/>
-      </a:accent1>
-      <a:accent2>
-        <a:srgbClr val="EEEEEE"/>
-      </a:accent2>
-      <a:accent3>
-        <a:srgbClr val="78909C"/>
-      </a:accent3>
-      <a:accent4>
-        <a:srgbClr val="FFAB40"/>
-      </a:accent4>
-      <a:accent5>
-        <a:srgbClr val="4DD0E1"/>
-      </a:accent5>
-      <a:accent6>
-        <a:srgbClr val="EEFF41"/>
-      </a:accent6>
-      <a:hlink>
-        <a:srgbClr val="4DD0E1"/>
-      </a:hlink>
-      <a:folHlink>
-        <a:srgbClr val="4DD0E1"/>
-      </a:folHlink>
-    </a:clrScheme>
-    <a:fontScheme name="Office">
-      <a:majorFont>
-        <a:latin typeface="Arial"/>
-        <a:ea typeface=""/>
-        <a:cs typeface=""/>
-        <a:font script="Jpan" typeface="ＭＳ Ｐゴシック"/>
-        <a:font script="Hang" typeface="맑은 고딕"/>
-        <a:font script="Hans" typeface="宋体"/>
-        <a:font script="Hant" typeface="新細明體"/>
-        <a:font script="Arab" typeface="Times New Roman"/>
-        <a:font script="Hebr" typeface="Times New Roman"/>
-        <a:font script="Thai" typeface="Angsana New"/>
-        <a:font script="Ethi" typeface="Nyala"/>
-        <a:font script="Beng" typeface="Vrinda"/>
-        <a:font script="Gujr" typeface="Shruti"/>
-        <a:font script="Khmr" typeface="MoolBoran"/>
-        <a:font script="Knda" typeface="Tunga"/>
-        <a:font script="Guru" typeface="Raavi"/>
-        <a:font script="Cans" typeface="Euphemia"/>
-        <a:font script="Cher" typeface="Plantagenet Cherokee"/>
-        <a:font script="Yiii" typeface="Microsoft Yi Baiti"/>
-        <a:font script="Tibt" typeface="Microsoft Himalaya"/>
-        <a:font script="Thaa" typeface="MV Boli"/>
-        <a:font script="Deva" typeface="Mangal"/>
-        <a:font script="Telu" typeface="Gautami"/>
-        <a:font script="Taml" typeface="Latha"/>
-        <a:font script="Syrc" typeface="Estrangelo Edessa"/>
-        <a:font script="Orya" typeface="Kalinga"/>
-        <a:font script="Mlym" typeface="Kartika"/>
-        <a:font script="Laoo" typeface="DokChampa"/>
-        <a:font script="Sinh" typeface="Iskoola Pota"/>
-        <a:font script="Mong" typeface="Mongolian Baiti"/>
-        <a:font script="Viet" typeface="Times New Roman"/>
-        <a:font script="Uigh" typeface="Microsoft Uighur"/>
-        <a:font script="Geor" typeface="Sylfaen"/>
-      </a:majorFont>
-      <a:minorFont>
-        <a:latin typeface="Arial"/>
-        <a:ea typeface=""/>
-        <a:cs typeface=""/>
-        <a:font script="Jpan" typeface="ＭＳ Ｐゴシック"/>
-        <a:font script="Hang" typeface="맑은 고딕"/>
-        <a:font script="Hans" typeface="宋体"/>
-        <a:font script="Hant" typeface="新細明體"/>
-        <a:font script="Arab" typeface="Arial"/>
-        <a:font script="Hebr" typeface="Arial"/>
-        <a:font script="Thai" typeface="Cordia New"/>
-        <a:font script="Ethi" typeface="Nyala"/>
-        <a:font script="Beng" typeface="Vrinda"/>
-        <a:font script="Gujr" typeface="Shruti"/>
-        <a:font script="Khmr" typeface="DaunPenh"/>
-        <a:font script="Knda" typeface="Tunga"/>
-        <a:font script="Guru" typeface="Raavi"/>
-        <a:font script="Cans" typeface="Euphemia"/>
-        <a:font script="Cher" typeface="Plantagenet Cherokee"/>
-        <a:font script="Yiii" typeface="Microsoft Yi Baiti"/>
-        <a:font script="Tibt" typeface="Microsoft Himalaya"/>
-        <a:font script="Thaa" typeface="MV Boli"/>
-        <a:font script="Deva" typeface="Mangal"/>
-        <a:font script="Telu" typeface="Gautami"/>
-        <a:font script="Taml" typeface="Latha"/>
-        <a:font script="Syrc" typeface="Estrangelo Edessa"/>
-        <a:font script="Orya" typeface="Kalinga"/>
-        <a:font script="Mlym" typeface="Kartika"/>
-        <a:font script="Laoo" typeface="DokChampa"/>
-        <a:font script="Sinh" typeface="Iskoola Pota"/>
-        <a:font script="Mong" typeface="Mongolian Baiti"/>
-        <a:font script="Viet" typeface="Arial"/>
-        <a:font script="Uigh" typeface="Microsoft Uighur"/>
-        <a:font script="Geor" typeface="Sylfaen"/>
-      </a:minorFont>
-    </a:fontScheme>
-    <a:fmtScheme name="Office">
-      <a:fillStyleLst>
-        <a:solidFill>
-          <a:schemeClr val="phClr"/>
-        </a:solidFill>
-        <a:gradFill rotWithShape="1">
-          <a:gsLst>
-            <a:gs pos="0">
-              <a:schemeClr val="phClr">
-                <a:tint val="50000"/>
-                <a:satMod val="300000"/>
-              </a:schemeClr>
-            </a:gs>
-            <a:gs pos="35000">
-              <a:schemeClr val="phClr">
-                <a:tint val="37000"/>
-                <a:satMod val="300000"/>
-              </a:schemeClr>
-            </a:gs>
-            <a:gs pos="100000">
-              <a:schemeClr val="phClr">
-                <a:tint val="15000"/>
-                <a:satMod val="350000"/>
-              </a:schemeClr>
-            </a:gs>
-          </a:gsLst>
-          <a:lin ang="16200000" scaled="1"/>
-        </a:gradFill>
-        <a:gradFill rotWithShape="1">
-          <a:gsLst>
-            <a:gs pos="0">
-              <a:schemeClr val="phClr">
-                <a:tint val="100000"/>
-                <a:shade val="100000"/>
-                <a:satMod val="130000"/>
-              </a:schemeClr>
-            </a:gs>
-            <a:gs pos="100000">
-              <a:schemeClr val="phClr">
-                <a:tint val="50000"/>
-                <a:shade val="100000"/>
-                <a:satMod val="350000"/>
-              </a:schemeClr>
-            </a:gs>
-          </a:gsLst>
-          <a:lin ang="16200000" scaled="0"/>
-        </a:gradFill>
-      </a:fillStyleLst>
-      <a:lnStyleLst>
-        <a:ln w="9525" cap="flat" cmpd="sng" algn="ctr">
-          <a:solidFill>
-            <a:schemeClr val="phClr">
-              <a:shade val="95000"/>
-              <a:satMod val="105000"/>
-            </a:schemeClr>
-          </a:solidFill>
-          <a:prstDash val="solid"/>
-        </a:ln>
-        <a:ln w="25400" cap="flat" cmpd="sng" algn="ctr">
-          <a:solidFill>
-            <a:schemeClr val="phClr"/>
-          </a:solidFill>
-          <a:prstDash val="solid"/>
-        </a:ln>
-        <a:ln w="38100" cap="flat" cmpd="sng" algn="ctr">
-          <a:solidFill>
-            <a:schemeClr val="phClr"/>
-          </a:solidFill>
-          <a:prstDash val="solid"/>
-        </a:ln>
-      </a:lnStyleLst>
-      <a:effectStyleLst>
-        <a:effectStyle>
-          <a:effectLst>
-            <a:outerShdw blurRad="40000" dist="20000" dir="5400000" rotWithShape="0">
-              <a:srgbClr val="000000">
-                <a:alpha val="38000"/>
-              </a:srgbClr>
-            </a:outerShdw>
-          </a:effectLst>
-        </a:effectStyle>
-        <a:effectStyle>
-          <a:effectLst>
-            <a:outerShdw blurRad="40000" dist="23000" dir="5400000" rotWithShape="0">
-              <a:srgbClr val="000000">
-                <a:alpha val="35000"/>
-              </a:srgbClr>
-            </a:outerShdw>
-          </a:effectLst>
-        </a:effectStyle>
-        <a:effectStyle>
-          <a:effectLst>
-            <a:outerShdw blurRad="40000" dist="23000" dir="5400000" rotWithShape="0">
-              <a:srgbClr val="000000">
-                <a:alpha val="35000"/>
-              </a:srgbClr>
-            </a:outerShdw>
-          </a:effectLst>
-          <a:scene3d>
-            <a:camera prst="orthographicFront">
-              <a:rot lat="0" lon="0" rev="0"/>
-            </a:camera>
-            <a:lightRig rig="threePt" dir="t">
-              <a:rot lat="0" lon="0" rev="1200000"/>
-            </a:lightRig>
-          </a:scene3d>
-          <a:sp3d>
-            <a:bevelT w="63500" h="25400"/>
-          </a:sp3d>
-        </a:effectStyle>
-      </a:effectStyleLst>
-      <a:bgFillStyleLst>
-        <a:solidFill>
-          <a:schemeClr val="phClr"/>
-        </a:solidFill>
-        <a:gradFill rotWithShape="1">
-          <a:gsLst>
-            <a:gs pos="0">
-              <a:schemeClr val="phClr">
-                <a:tint val="40000"/>
-                <a:satMod val="350000"/>
-              </a:schemeClr>
-            </a:gs>
-            <a:gs pos="40000">
-              <a:schemeClr val="phClr">
-                <a:tint val="45000"/>
-                <a:shade val="99000"/>
-                <a:satMod val="350000"/>
-              </a:schemeClr>
-            </a:gs>
-            <a:gs pos="100000">
-              <a:schemeClr val="phClr">
-                <a:shade val="20000"/>
-                <a:satMod val="255000"/>
-              </a:schemeClr>
-            </a:gs>
-          </a:gsLst>
-          <a:path path="circle">
-            <a:fillToRect l="50000" t="-80000" r="50000" b="180000"/>
-          </a:path>
-        </a:gradFill>
-        <a:gradFill rotWithShape="1">
-          <a:gsLst>
-            <a:gs pos="0">
-              <a:schemeClr val="phClr">
-                <a:tint val="80000"/>
-                <a:satMod val="300000"/>
-              </a:schemeClr>
-            </a:gs>
-            <a:gs pos="100000">
-              <a:schemeClr val="phClr">
-                <a:shade val="30000"/>
-                <a:satMod val="200000"/>
-              </a:schemeClr>
-            </a:gs>
-          </a:gsLst>
-          <a:path path="circle">
-            <a:fillToRect l="50000" t="50000" r="50000" b="50000"/>
-          </a:path>
-        </a:gradFill>
-      </a:bgFillStyleLst>
-    </a:fmtScheme>
-  </a:themeElements>
-</a:theme>
 </file>